--- a/Navien House.pptx
+++ b/Navien House.pptx
@@ -1,8 +1,8 @@
 
 <file path=ppt/presentation.xml><?xml version="1.0" encoding="utf-8"?>
-<p:presentation xmlns:a="http://schemas.openxmlformats.org/drawingml/2006/main" xmlns:r="http://schemas.openxmlformats.org/officeDocument/2006/relationships" xmlns:p="http://schemas.openxmlformats.org/presentationml/2006/main" saveSubsetFonts="1">
+<p:presentation xmlns:r="http://schemas.openxmlformats.org/officeDocument/2006/relationships" xmlns:c="http://schemas.openxmlformats.org/drawingml/2006/chart" xmlns:a="http://schemas.openxmlformats.org/drawingml/2006/main" xmlns:dgm="http://schemas.openxmlformats.org/drawingml/2006/diagram" xmlns:dsp="http://schemas.microsoft.com/office/drawing/2008/diagram" xmlns:p="http://schemas.openxmlformats.org/presentationml/2006/main" saveSubsetFonts="1">
   <p:sldMasterIdLst>
-    <p:sldMasterId id="2147483682" r:id="rId1"/>
+    <p:sldMasterId id="2147483673" r:id="rId1"/>
   </p:sldMasterIdLst>
   <p:sldIdLst>
     <p:sldId id="256" r:id="rId2"/>
@@ -23,6 +23,7 @@
     <p:sldId id="271" r:id="rId17"/>
     <p:sldId id="272" r:id="rId18"/>
     <p:sldId id="273" r:id="rId19"/>
+    <p:sldId id="274" r:id="rId20"/>
   </p:sldIdLst>
   <p:sldSz cx="12192000" cy="6858000"/>
   <p:notesSz cx="6858000" cy="9144000"/>
@@ -121,27 +122,11 @@
       </a:defRPr>
     </a:lvl9pPr>
   </p:defaultTextStyle>
-  <p:extLst>
-    <p:ext uri="{EFAFB233-063F-42B5-8137-9DF3F51BA10A}">
-      <p15:sldGuideLst xmlns:p15="http://schemas.microsoft.com/office/powerpoint/2012/main">
-        <p15:guide id="1" orient="horz" pos="2159">
-          <p15:clr>
-            <a:srgbClr val="A4A3A4"/>
-          </p15:clr>
-        </p15:guide>
-        <p15:guide id="2" pos="3839">
-          <p15:clr>
-            <a:srgbClr val="A4A3A4"/>
-          </p15:clr>
-        </p15:guide>
-      </p15:sldGuideLst>
-    </p:ext>
-  </p:extLst>
 </p:presentation>
 </file>
 
 <file path=ppt/commentAuthors.xml><?xml version="1.0" encoding="utf-8"?>
-<p:cmAuthorLst xmlns:a="http://schemas.openxmlformats.org/drawingml/2006/main" xmlns:r="http://schemas.openxmlformats.org/officeDocument/2006/relationships" xmlns:p="http://schemas.openxmlformats.org/presentationml/2006/main">
+<p:cmAuthorLst xmlns:r="http://schemas.openxmlformats.org/officeDocument/2006/relationships" xmlns:c="http://schemas.openxmlformats.org/drawingml/2006/chart" xmlns:a="http://schemas.openxmlformats.org/drawingml/2006/main" xmlns:dgm="http://schemas.openxmlformats.org/drawingml/2006/diagram" xmlns:dsp="http://schemas.microsoft.com/office/drawing/2008/diagram" xmlns:p="http://schemas.openxmlformats.org/presentationml/2006/main">
   <p:cmAuthor id="1" name="i do" initials="id" lastIdx="2" clrIdx="0"/>
 </p:cmAuthorLst>
 </file>
@@ -7000,7 +6985,7 @@
 </file>
 
 <file path=ppt/slides/slide13.xml><?xml version="1.0" encoding="utf-8"?>
-<p:sld xmlns:a="http://schemas.openxmlformats.org/drawingml/2006/main" xmlns:r="http://schemas.openxmlformats.org/officeDocument/2006/relationships" xmlns:p="http://schemas.openxmlformats.org/presentationml/2006/main">
+<p:sld xmlns:r="http://schemas.openxmlformats.org/officeDocument/2006/relationships" xmlns:c="http://schemas.openxmlformats.org/drawingml/2006/chart" xmlns:a="http://schemas.openxmlformats.org/drawingml/2006/main" xmlns:dgm="http://schemas.openxmlformats.org/drawingml/2006/diagram" xmlns:dsp="http://schemas.microsoft.com/office/drawing/2008/diagram" xmlns:p="http://schemas.openxmlformats.org/presentationml/2006/main">
   <p:cSld>
     <p:spTree>
       <p:nvGrpSpPr>
@@ -7018,18 +7003,12 @@
       </p:grpSpPr>
       <p:sp>
         <p:nvSpPr>
-          <p:cNvPr id="2" name="제목 1">
-            <a:extLst>
-              <a:ext uri="{FF2B5EF4-FFF2-40B4-BE49-F238E27FC236}">
-                <a16:creationId xmlns:a16="http://schemas.microsoft.com/office/drawing/2014/main" id="{4E1E60AE-5AB9-4B0F-A0D8-2339BA34DD09}"/>
-              </a:ext>
-            </a:extLst>
-          </p:cNvPr>
+          <p:cNvPr id="2" name="제목 1"/>
           <p:cNvSpPr>
             <a:spLocks noGrp="1"/>
           </p:cNvSpPr>
           <p:nvPr>
-            <p:ph type="ctrTitle"/>
+            <p:ph type="ctrTitle" idx="0"/>
           </p:nvPr>
         </p:nvSpPr>
         <p:spPr/>
@@ -7037,39 +7016,36 @@
           <a:bodyPr/>
           <a:lstStyle/>
           <a:p>
-            <a:r>
-              <a:rPr lang="en-US" altLang="ko-KR" b="1" dirty="0">
-                <a:solidFill>
-                  <a:srgbClr val="2AB9C7"/>
-                </a:solidFill>
-                <a:latin typeface="맑은 고딕" panose="020B0503020000020004" pitchFamily="50" charset="-127"/>
-                <a:ea typeface="맑은 고딕" panose="020B0503020000020004" pitchFamily="50" charset="-127"/>
+            <a:pPr lvl="0">
+              <a:defRPr lang="ko-KR" altLang="en-US"/>
+            </a:pPr>
+            <a:r>
+              <a:rPr lang="en-US" altLang="ko-KR" b="1">
+                <a:solidFill>
+                  <a:srgbClr val="2ab9c7"/>
+                </a:solidFill>
+                <a:latin typeface="맑은 고딕"/>
+                <a:ea typeface="맑은 고딕"/>
               </a:rPr>
               <a:t>3.</a:t>
             </a:r>
             <a:r>
-              <a:rPr lang="ko-KR" altLang="en-US" b="1" dirty="0">
-                <a:solidFill>
-                  <a:srgbClr val="2AB9C7"/>
-                </a:solidFill>
-                <a:latin typeface="맑은 고딕" panose="020B0503020000020004" pitchFamily="50" charset="-127"/>
-                <a:ea typeface="맑은 고딕" panose="020B0503020000020004" pitchFamily="50" charset="-127"/>
+              <a:rPr lang="ko-KR" altLang="en-US" b="1">
+                <a:solidFill>
+                  <a:srgbClr val="2ab9c7"/>
+                </a:solidFill>
+                <a:latin typeface="맑은 고딕"/>
+                <a:ea typeface="맑은 고딕"/>
               </a:rPr>
               <a:t> 프로젝트 분석 내용 방향성 선정</a:t>
             </a:r>
-            <a:endParaRPr lang="ko-KR" altLang="en-US" dirty="0"/>
+            <a:endParaRPr lang="ko-KR" altLang="en-US"/>
           </a:p>
         </p:txBody>
       </p:sp>
       <p:sp>
         <p:nvSpPr>
-          <p:cNvPr id="12" name="부제목 3">
-            <a:extLst>
-              <a:ext uri="{FF2B5EF4-FFF2-40B4-BE49-F238E27FC236}">
-                <a16:creationId xmlns:a16="http://schemas.microsoft.com/office/drawing/2014/main" id="{9BDE5150-D116-4748-8159-831FAA8ABF6E}"/>
-              </a:ext>
-            </a:extLst>
-          </p:cNvPr>
+          <p:cNvPr id="12" name="부제목 3"/>
           <p:cNvSpPr>
             <a:spLocks noGrp="1"/>
           </p:cNvSpPr>
@@ -7082,26 +7058,24 @@
           <a:bodyPr/>
           <a:lstStyle/>
           <a:p>
-            <a:r>
-              <a:rPr lang="en-US" altLang="ko-KR" dirty="0"/>
+            <a:pPr lvl="0">
+              <a:defRPr lang="ko-KR" altLang="en-US"/>
+            </a:pPr>
+            <a:r>
+              <a:rPr lang="en-US" altLang="ko-KR"/>
               <a:t>03-2 </a:t>
             </a:r>
             <a:r>
-              <a:rPr lang="ko-KR" altLang="en-US" dirty="0"/>
+              <a:rPr lang="ko-KR" altLang="en-US"/>
               <a:t>자료 매트리스 분석</a:t>
             </a:r>
+            <a:endParaRPr lang="ko-KR" altLang="en-US"/>
           </a:p>
         </p:txBody>
       </p:sp>
       <p:sp>
         <p:nvSpPr>
-          <p:cNvPr id="13" name="텍스트 개체 틀 11">
-            <a:extLst>
-              <a:ext uri="{FF2B5EF4-FFF2-40B4-BE49-F238E27FC236}">
-                <a16:creationId xmlns:a16="http://schemas.microsoft.com/office/drawing/2014/main" id="{77A760DD-A22E-4893-8886-C3EF30F0E801}"/>
-              </a:ext>
-            </a:extLst>
-          </p:cNvPr>
+          <p:cNvPr id="13" name="텍스트 개체 틀 11"/>
           <p:cNvSpPr>
             <a:spLocks noGrp="1"/>
           </p:cNvSpPr>
@@ -7114,58 +7088,55 @@
           <a:bodyPr/>
           <a:lstStyle/>
           <a:p>
-            <a:r>
-              <a:rPr lang="ko-KR" altLang="en-US" dirty="0">
+            <a:pPr lvl="0">
+              <a:defRPr lang="ko-KR" altLang="en-US"/>
+            </a:pPr>
+            <a:r>
+              <a:rPr lang="ko-KR" altLang="en-US">
                 <a:solidFill>
                   <a:prstClr val="black">
                     <a:lumMod val="65000"/>
                     <a:lumOff val="35000"/>
                   </a:prstClr>
                 </a:solidFill>
-                <a:latin typeface="맑은 고딕" panose="020B0503020000020004" pitchFamily="50" charset="-127"/>
-                <a:ea typeface="맑은 고딕" panose="020B0503020000020004" pitchFamily="50" charset="-127"/>
+                <a:latin typeface="맑은 고딕"/>
+                <a:ea typeface="맑은 고딕"/>
               </a:rPr>
               <a:t>이미지 공간 </a:t>
             </a:r>
             <a:r>
-              <a:rPr lang="en-US" altLang="ko-KR" dirty="0">
+              <a:rPr lang="en-US" altLang="ko-KR">
                 <a:solidFill>
                   <a:prstClr val="black">
                     <a:lumMod val="65000"/>
                     <a:lumOff val="35000"/>
                   </a:prstClr>
                 </a:solidFill>
-                <a:latin typeface="맑은 고딕" panose="020B0503020000020004" pitchFamily="50" charset="-127"/>
-                <a:ea typeface="맑은 고딕" panose="020B0503020000020004" pitchFamily="50" charset="-127"/>
+                <a:latin typeface="맑은 고딕"/>
+                <a:ea typeface="맑은 고딕"/>
               </a:rPr>
               <a:t>: </a:t>
             </a:r>
             <a:r>
-              <a:rPr lang="ko-KR" altLang="en-US" dirty="0">
+              <a:rPr lang="ko-KR" altLang="en-US">
                 <a:solidFill>
                   <a:prstClr val="black">
                     <a:lumMod val="65000"/>
                     <a:lumOff val="35000"/>
                   </a:prstClr>
                 </a:solidFill>
-                <a:latin typeface="맑은 고딕" panose="020B0503020000020004" pitchFamily="50" charset="-127"/>
-                <a:ea typeface="맑은 고딕" panose="020B0503020000020004" pitchFamily="50" charset="-127"/>
+                <a:latin typeface="맑은 고딕"/>
+                <a:ea typeface="맑은 고딕"/>
               </a:rPr>
               <a:t>형용사</a:t>
             </a:r>
-            <a:endParaRPr lang="ko-KR" altLang="en-US" dirty="0"/>
+            <a:endParaRPr lang="ko-KR" altLang="en-US"/>
           </a:p>
         </p:txBody>
       </p:sp>
       <p:sp>
         <p:nvSpPr>
-          <p:cNvPr id="29" name="슬라이드 번호 개체 틀 3">
-            <a:extLst>
-              <a:ext uri="{FF2B5EF4-FFF2-40B4-BE49-F238E27FC236}">
-                <a16:creationId xmlns:a16="http://schemas.microsoft.com/office/drawing/2014/main" id="{E4CB0677-BCFD-4F92-96C5-62D4B81C7EAC}"/>
-              </a:ext>
-            </a:extLst>
-          </p:cNvPr>
+          <p:cNvPr id="29" name="슬라이드 번호 개체 틀 3"/>
           <p:cNvSpPr>
             <a:spLocks noGrp="1"/>
           </p:cNvSpPr>
@@ -7192,9 +7163,14 @@
             </a:lvl1pPr>
           </a:lstStyle>
           <a:p>
+            <a:pPr lvl="0">
+              <a:defRPr lang="ko-KR" altLang="en-US"/>
+            </a:pPr>
             <a:fld id="{418EBCF5-7C0D-4452-BD99-4798E1600F69}" type="slidenum">
               <a:rPr lang="ko-KR" altLang="en-US" sz="1100"/>
-              <a:pPr/>
+              <a:pPr lvl="0">
+                <a:defRPr lang="ko-KR" altLang="en-US"/>
+              </a:pPr>
               <a:t>13</a:t>
             </a:fld>
             <a:endParaRPr lang="ko-KR" altLang="en-US" sz="1100"/>
@@ -7203,13 +7179,7 @@
       </p:sp>
       <p:sp>
         <p:nvSpPr>
-          <p:cNvPr id="20" name="직사각형 19">
-            <a:extLst>
-              <a:ext uri="{FF2B5EF4-FFF2-40B4-BE49-F238E27FC236}">
-                <a16:creationId xmlns:a16="http://schemas.microsoft.com/office/drawing/2014/main" id="{E3EF3568-F942-C94E-926B-6416379CD47C}"/>
-              </a:ext>
-            </a:extLst>
-          </p:cNvPr>
+          <p:cNvPr id="20" name="직사각형 19"/>
           <p:cNvSpPr/>
           <p:nvPr/>
         </p:nvSpPr>
@@ -7229,92 +7199,78 @@
           <a:lstStyle/>
           <a:p>
             <a:pPr>
-              <a:defRPr/>
+              <a:defRPr lang="ko-KR"/>
             </a:pPr>
             <a:r>
-              <a:rPr lang="en-US" altLang="ko-KR" sz="3000" b="1" dirty="0">
+              <a:rPr lang="en-US" altLang="ko-KR" sz="3000" b="1">
                 <a:solidFill>
                   <a:prstClr val="white"/>
                 </a:solidFill>
-                <a:latin typeface="맑은 고딕" panose="020B0503020000020004" pitchFamily="50" charset="-127"/>
-                <a:ea typeface="맑은 고딕" panose="020B0503020000020004" pitchFamily="50" charset="-127"/>
+                <a:latin typeface="맑은 고딕"/>
+                <a:ea typeface="맑은 고딕"/>
               </a:rPr>
               <a:t>02</a:t>
             </a:r>
-            <a:endParaRPr lang="ko-KR" altLang="en-US" sz="3000" b="1" dirty="0">
+            <a:endParaRPr lang="ko-KR" altLang="en-US" sz="3000" b="1">
               <a:solidFill>
                 <a:prstClr val="white"/>
               </a:solidFill>
-              <a:latin typeface="맑은 고딕" panose="020B0503020000020004" pitchFamily="50" charset="-127"/>
-              <a:ea typeface="맑은 고딕" panose="020B0503020000020004" pitchFamily="50" charset="-127"/>
+              <a:latin typeface="맑은 고딕"/>
+              <a:ea typeface="맑은 고딕"/>
             </a:endParaRPr>
           </a:p>
         </p:txBody>
       </p:sp>
       <p:graphicFrame>
         <p:nvGraphicFramePr>
-          <p:cNvPr id="25" name="표 24">
-            <a:extLst>
-              <a:ext uri="{FF2B5EF4-FFF2-40B4-BE49-F238E27FC236}">
-                <a16:creationId xmlns:a16="http://schemas.microsoft.com/office/drawing/2014/main" id="{05BF43C7-0925-41BA-AAD5-19A0804B82CF}"/>
-              </a:ext>
-            </a:extLst>
-          </p:cNvPr>
+          <p:cNvPr id="25" name="표 24"/>
           <p:cNvGraphicFramePr>
             <a:graphicFrameLocks noGrp="1"/>
           </p:cNvGraphicFramePr>
-          <p:nvPr>
-            <p:extLst>
-              <p:ext uri="{D42A27DB-BD31-4B8C-83A1-F6EECF244321}">
-                <p14:modId xmlns:p14="http://schemas.microsoft.com/office/powerpoint/2010/main" val="1493359496"/>
-              </p:ext>
-            </p:extLst>
-          </p:nvPr>
+          <p:nvPr/>
         </p:nvGraphicFramePr>
         <p:xfrm>
           <a:off x="5627121" y="1490783"/>
-          <a:ext cx="4777508" cy="4878923"/>
+          <a:ext cx="4777508" cy="4911689"/>
         </p:xfrm>
         <a:graphic>
           <a:graphicData uri="http://schemas.openxmlformats.org/drawingml/2006/table">
             <a:tbl>
-              <a:tblPr/>
               <a:tblGrid>
-                <a:gridCol w="4777508">
-                  <a:extLst>
-                    <a:ext uri="{9D8B030D-6E8A-4147-A177-3AD203B41FA5}">
-                      <a16:colId xmlns:a16="http://schemas.microsoft.com/office/drawing/2014/main" val="2825577889"/>
-                    </a:ext>
-                  </a:extLst>
-                </a:gridCol>
+                <a:gridCol w="4777508"/>
               </a:tblGrid>
               <a:tr h="418175">
                 <a:tc>
                   <a:txBody>
-                    <a:bodyPr/>
-                    <a:lstStyle/>
-                    <a:p>
-                      <a:pPr marL="0" marR="0" indent="0" algn="l" fontAlgn="base" latinLnBrk="0">
+                    <a:bodyPr vert="horz" lIns="64771" tIns="17907" rIns="64771" bIns="17907" anchor="ctr" anchorCtr="0"/>
+                    <a:p>
+                      <a:pPr marL="0" indent="0" algn="l" latinLnBrk="0">
                         <a:lnSpc>
                           <a:spcPct val="130000"/>
                         </a:lnSpc>
                         <a:spcBef>
-                          <a:spcPts val="0"/>
+                          <a:spcPct val="0"/>
                         </a:spcBef>
                         <a:spcAft>
-                          <a:spcPts val="0"/>
+                          <a:spcPct val="0"/>
                         </a:spcAft>
+                        <a:defRPr lang="ko-KR" altLang="en-US"/>
                       </a:pPr>
                       <a:r>
-                        <a:rPr lang="ko-KR" altLang="en-US" sz="1500" b="1" kern="0" spc="0" dirty="0">
+                        <a:rPr lang="ko-KR" altLang="en-US" sz="1500" b="1" kern="0" spc="5">
                           <a:solidFill>
                             <a:srgbClr val="191919"/>
                           </a:solidFill>
-                          <a:effectLst/>
-                          <a:latin typeface="맑은 고딕" panose="020B0503020000020004" pitchFamily="50" charset="-127"/>
+                          <a:latin typeface="맑은 고딕"/>
                         </a:rPr>
                         <a:t>매트리스 분석에 따른 방향 정리</a:t>
                       </a:r>
+                      <a:endParaRPr lang="ko-KR" altLang="en-US" sz="1500" b="1" kern="0" spc="5">
+                        <a:solidFill>
+                          <a:srgbClr val="191919"/>
+                        </a:solidFill>
+                        <a:latin typeface="맑은 고딕"/>
+                      </a:endParaRPr>
                     </a:p>
                   </a:txBody>
                   <a:tcPr marL="64771" marR="64771" marT="17907" marB="17907" anchor="ctr">
@@ -7326,8 +7282,6 @@
                       </a:solidFill>
                       <a:prstDash val="solid"/>
                       <a:round/>
-                      <a:headEnd type="none" w="med" len="med"/>
-                      <a:tailEnd type="none" w="med" len="med"/>
                     </a:lnL>
                     <a:lnR w="6350" cap="flat" cmpd="sng" algn="ctr">
                       <a:solidFill>
@@ -7337,8 +7291,6 @@
                       </a:solidFill>
                       <a:prstDash val="solid"/>
                       <a:round/>
-                      <a:headEnd type="none" w="med" len="med"/>
-                      <a:tailEnd type="none" w="med" len="med"/>
                     </a:lnR>
                     <a:lnT w="6350" cap="flat" cmpd="sng" algn="ctr">
                       <a:solidFill>
@@ -7348,8 +7300,6 @@
                       </a:solidFill>
                       <a:prstDash val="solid"/>
                       <a:round/>
-                      <a:headEnd type="none" w="med" len="med"/>
-                      <a:tailEnd type="none" w="med" len="med"/>
                     </a:lnT>
                     <a:lnB w="6350" cap="flat" cmpd="sng" algn="ctr">
                       <a:solidFill>
@@ -7359,8 +7309,6 @@
                       </a:solidFill>
                       <a:prstDash val="solid"/>
                       <a:round/>
-                      <a:headEnd type="none" w="med" len="med"/>
-                      <a:tailEnd type="none" w="med" len="med"/>
                     </a:lnB>
                     <a:solidFill>
                       <a:schemeClr val="accent1">
@@ -7370,397 +7318,394 @@
                     </a:solidFill>
                   </a:tcPr>
                 </a:tc>
-                <a:extLst>
-                  <a:ext uri="{0D108BD9-81ED-4DB2-BD59-A6C34878D82A}">
-                    <a16:rowId xmlns:a16="http://schemas.microsoft.com/office/drawing/2014/main" val="3340433091"/>
-                  </a:ext>
-                </a:extLst>
               </a:tr>
               <a:tr h="3550320">
                 <a:tc>
                   <a:txBody>
-                    <a:bodyPr/>
-                    <a:lstStyle/>
-                    <a:p>
-                      <a:pPr marL="0" marR="0" indent="0" algn="l" fontAlgn="base" latinLnBrk="0">
+                    <a:bodyPr vert="horz" lIns="64771" tIns="17907" rIns="64771" bIns="17907" anchor="t" anchorCtr="0"/>
+                    <a:p>
+                      <a:pPr marL="0" indent="0" algn="l" latinLnBrk="0">
                         <a:lnSpc>
                           <a:spcPct val="130000"/>
                         </a:lnSpc>
                         <a:spcBef>
-                          <a:spcPts val="0"/>
+                          <a:spcPct val="0"/>
                         </a:spcBef>
                         <a:spcAft>
-                          <a:spcPts val="0"/>
+                          <a:spcPct val="0"/>
                         </a:spcAft>
+                        <a:defRPr lang="ko-KR" altLang="en-US"/>
                       </a:pPr>
                       <a:r>
-                        <a:rPr lang="ko-KR" altLang="en-US" sz="1500" b="0" kern="0" spc="0" dirty="0">
+                        <a:rPr lang="ko-KR" altLang="en-US" sz="1500" b="0" kern="0" spc="5">
                           <a:solidFill>
                             <a:schemeClr val="bg1">
                               <a:lumMod val="50000"/>
                             </a:schemeClr>
                           </a:solidFill>
-                          <a:effectLst/>
-                          <a:latin typeface="맑은 고딕" panose="020B0503020000020004" pitchFamily="50" charset="-127"/>
+                          <a:latin typeface="맑은 고딕"/>
                         </a:rPr>
                         <a:t>제품 판매 뿐만 아니라 홍보효과 및 사회공헌사업의</a:t>
                       </a:r>
-                      <a:endParaRPr lang="en-US" altLang="ko-KR" sz="1500" b="0" kern="0" spc="0" dirty="0">
+                      <a:endParaRPr lang="ko-KR" altLang="en-US" sz="1500" b="0" kern="0" spc="5">
                         <a:solidFill>
                           <a:schemeClr val="bg1">
                             <a:lumMod val="50000"/>
                           </a:schemeClr>
                         </a:solidFill>
-                        <a:effectLst/>
-                        <a:latin typeface="맑은 고딕" panose="020B0503020000020004" pitchFamily="50" charset="-127"/>
+                        <a:latin typeface="맑은 고딕"/>
                       </a:endParaRPr>
                     </a:p>
                     <a:p>
-                      <a:pPr marL="0" marR="0" indent="0" algn="l" fontAlgn="base" latinLnBrk="0">
+                      <a:pPr marL="0" indent="0" algn="l" latinLnBrk="0">
                         <a:lnSpc>
                           <a:spcPct val="130000"/>
                         </a:lnSpc>
                         <a:spcBef>
-                          <a:spcPts val="0"/>
+                          <a:spcPct val="0"/>
                         </a:spcBef>
                         <a:spcAft>
-                          <a:spcPts val="0"/>
+                          <a:spcPct val="0"/>
                         </a:spcAft>
+                        <a:defRPr lang="ko-KR" altLang="en-US"/>
                       </a:pPr>
                       <a:r>
-                        <a:rPr lang="ko-KR" altLang="en-US" sz="1500" b="0" kern="0" spc="0" dirty="0">
+                        <a:rPr lang="ko-KR" altLang="en-US" sz="1500" b="0" kern="0" spc="5">
                           <a:solidFill>
                             <a:schemeClr val="bg1">
                               <a:lumMod val="50000"/>
                             </a:schemeClr>
                           </a:solidFill>
-                          <a:effectLst/>
-                          <a:latin typeface="맑은 고딕" panose="020B0503020000020004" pitchFamily="50" charset="-127"/>
+                          <a:latin typeface="맑은 고딕"/>
                         </a:rPr>
-                        <a:t>효과로 </a:t>
+                        <a:t>효과로 다익형 페이지를 재구축하려고 한다</a:t>
                       </a:r>
                       <a:r>
-                        <a:rPr lang="ko-KR" altLang="en-US" sz="1500" b="0" kern="0" spc="0" dirty="0" err="1">
+                        <a:rPr lang="en-US" altLang="ko-KR" sz="1500" b="0" kern="0" spc="5">
                           <a:solidFill>
                             <a:schemeClr val="bg1">
                               <a:lumMod val="50000"/>
                             </a:schemeClr>
                           </a:solidFill>
-                          <a:effectLst/>
-                          <a:latin typeface="맑은 고딕" panose="020B0503020000020004" pitchFamily="50" charset="-127"/>
+                          <a:latin typeface="맑은 고딕"/>
                         </a:rPr>
-                        <a:t>다익형</a:t>
+                        <a:t>.</a:t>
                       </a:r>
+                      <a:endParaRPr lang="en-US" altLang="ko-KR" sz="1500" b="0" kern="0" spc="5">
+                        <a:solidFill>
+                          <a:schemeClr val="bg1">
+                            <a:lumMod val="50000"/>
+                          </a:schemeClr>
+                        </a:solidFill>
+                        <a:latin typeface="맑은 고딕"/>
+                      </a:endParaRPr>
+                    </a:p>
+                    <a:p>
+                      <a:pPr marL="0" indent="0" algn="l" latinLnBrk="0">
+                        <a:lnSpc>
+                          <a:spcPct val="130000"/>
+                        </a:lnSpc>
+                        <a:spcBef>
+                          <a:spcPct val="0"/>
+                        </a:spcBef>
+                        <a:spcAft>
+                          <a:spcPct val="0"/>
+                        </a:spcAft>
+                        <a:defRPr lang="ko-KR" altLang="en-US"/>
+                      </a:pPr>
                       <a:r>
-                        <a:rPr lang="ko-KR" altLang="en-US" sz="1500" b="0" kern="0" spc="0" dirty="0">
+                        <a:rPr lang="ko-KR" altLang="en-US" sz="1500" b="0" kern="0" spc="5">
                           <a:solidFill>
                             <a:schemeClr val="bg1">
                               <a:lumMod val="50000"/>
                             </a:schemeClr>
                           </a:solidFill>
-                          <a:effectLst/>
-                          <a:latin typeface="맑은 고딕" panose="020B0503020000020004" pitchFamily="50" charset="-127"/>
+                          <a:latin typeface="맑은 고딕"/>
                         </a:rPr>
-                        <a:t> 페이지를 재구축하려고 한다</a:t>
+                        <a:t>기존사이트의 핵심 키워드는 정적이며 딱딱한 부분이 대부분 이었으나 새로운 홍보효과</a:t>
                       </a:r>
                       <a:r>
-                        <a:rPr lang="en-US" altLang="ko-KR" sz="1500" b="0" kern="0" spc="0" dirty="0">
+                        <a:rPr lang="en-US" altLang="ko-KR" sz="1500" b="0" kern="0" spc="5">
                           <a:solidFill>
                             <a:schemeClr val="bg1">
                               <a:lumMod val="50000"/>
                             </a:schemeClr>
                           </a:solidFill>
-                          <a:effectLst/>
-                          <a:latin typeface="맑은 고딕" panose="020B0503020000020004" pitchFamily="50" charset="-127"/>
+                          <a:latin typeface="맑은 고딕"/>
                         </a:rPr>
-                        <a:t>.</a:t>
+                        <a:t>, </a:t>
                       </a:r>
-                    </a:p>
-                    <a:p>
-                      <a:pPr marL="0" marR="0" indent="0" algn="l" fontAlgn="base" latinLnBrk="0">
-                        <a:lnSpc>
-                          <a:spcPct val="130000"/>
-                        </a:lnSpc>
-                        <a:spcBef>
-                          <a:spcPts val="0"/>
-                        </a:spcBef>
-                        <a:spcAft>
-                          <a:spcPts val="0"/>
-                        </a:spcAft>
-                      </a:pPr>
                       <a:r>
-                        <a:rPr lang="ko-KR" altLang="en-US" sz="1500" b="0" kern="0" spc="0" dirty="0">
+                        <a:rPr lang="ko-KR" altLang="en-US" sz="1500" b="0" kern="0" spc="5">
                           <a:solidFill>
                             <a:schemeClr val="bg1">
                               <a:lumMod val="50000"/>
                             </a:schemeClr>
                           </a:solidFill>
-                          <a:effectLst/>
-                          <a:latin typeface="맑은 고딕" panose="020B0503020000020004" pitchFamily="50" charset="-127"/>
+                          <a:latin typeface="맑은 고딕"/>
                         </a:rPr>
-                        <a:t>기존사이트의 핵심 키워드는 정적이며 딱딱한 부분이 대부분 이었으나 새로운 홍보효과</a:t>
+                        <a:t>친환경적인 정보 및 인지도 향상을 위하여 부드러우며 동적인 페이지를 </a:t>
                       </a:r>
+                      <a:endParaRPr lang="ko-KR" altLang="en-US" sz="1500" b="0" kern="0" spc="5">
+                        <a:solidFill>
+                          <a:schemeClr val="bg1">
+                            <a:lumMod val="50000"/>
+                          </a:schemeClr>
+                        </a:solidFill>
+                        <a:latin typeface="맑은 고딕"/>
+                      </a:endParaRPr>
+                    </a:p>
+                    <a:p>
+                      <a:pPr marL="0" indent="0" algn="l" latinLnBrk="0">
+                        <a:lnSpc>
+                          <a:spcPct val="130000"/>
+                        </a:lnSpc>
+                        <a:spcBef>
+                          <a:spcPct val="0"/>
+                        </a:spcBef>
+                        <a:spcAft>
+                          <a:spcPct val="0"/>
+                        </a:spcAft>
+                        <a:defRPr lang="ko-KR" altLang="en-US"/>
+                      </a:pPr>
                       <a:r>
-                        <a:rPr lang="en-US" altLang="ko-KR" sz="1500" b="0" kern="0" spc="0" dirty="0">
+                        <a:rPr lang="ko-KR" altLang="en-US" sz="1500" b="0" kern="0" spc="5">
                           <a:solidFill>
                             <a:schemeClr val="bg1">
                               <a:lumMod val="50000"/>
                             </a:schemeClr>
                           </a:solidFill>
-                          <a:effectLst/>
-                          <a:latin typeface="맑은 고딕" panose="020B0503020000020004" pitchFamily="50" charset="-127"/>
+                          <a:latin typeface="맑은 고딕"/>
                         </a:rPr>
-                        <a:t>, </a:t>
+                        <a:t>구축  할 것이다</a:t>
                       </a:r>
                       <a:r>
-                        <a:rPr lang="ko-KR" altLang="en-US" sz="1500" b="0" kern="0" spc="0" dirty="0">
+                        <a:rPr lang="en-US" altLang="ko-KR" sz="1500" b="0" kern="0" spc="5">
                           <a:solidFill>
                             <a:schemeClr val="bg1">
                               <a:lumMod val="50000"/>
                             </a:schemeClr>
                           </a:solidFill>
-                          <a:effectLst/>
-                          <a:latin typeface="맑은 고딕" panose="020B0503020000020004" pitchFamily="50" charset="-127"/>
+                          <a:latin typeface="맑은 고딕"/>
                         </a:rPr>
-                        <a:t>친환경적인 정보 및 인지도 향상을 위하여 부드러우며 동적인 페이지를 생성 할 것이다</a:t>
+                        <a:t>.</a:t>
                       </a:r>
+                      <a:endParaRPr lang="en-US" altLang="ko-KR" sz="1500" b="0" kern="0" spc="5">
+                        <a:solidFill>
+                          <a:schemeClr val="bg1">
+                            <a:lumMod val="50000"/>
+                          </a:schemeClr>
+                        </a:solidFill>
+                        <a:latin typeface="맑은 고딕"/>
+                      </a:endParaRPr>
+                    </a:p>
+                    <a:p>
+                      <a:pPr marL="0" indent="0" algn="l" latinLnBrk="0">
+                        <a:lnSpc>
+                          <a:spcPct val="130000"/>
+                        </a:lnSpc>
+                        <a:spcBef>
+                          <a:spcPct val="0"/>
+                        </a:spcBef>
+                        <a:spcAft>
+                          <a:spcPct val="0"/>
+                        </a:spcAft>
+                        <a:defRPr lang="ko-KR" altLang="en-US"/>
+                      </a:pPr>
                       <a:r>
-                        <a:rPr lang="en-US" altLang="ko-KR" sz="1500" b="0" kern="0" spc="0" dirty="0">
+                        <a:rPr lang="ko-KR" altLang="en-US" sz="1500" b="0" kern="0" spc="5">
                           <a:solidFill>
                             <a:schemeClr val="bg1">
                               <a:lumMod val="50000"/>
                             </a:schemeClr>
                           </a:solidFill>
-                          <a:effectLst/>
-                          <a:latin typeface="맑은 고딕" panose="020B0503020000020004" pitchFamily="50" charset="-127"/>
+                          <a:latin typeface="맑은 고딕"/>
                         </a:rPr>
-                        <a:t>.</a:t>
+                        <a:t>제품판매를 위한 사이트는 그대로 유지하되 제품기능 대한 효과정보를 추가할 것이다</a:t>
                       </a:r>
-                    </a:p>
-                    <a:p>
-                      <a:pPr marL="0" marR="0" indent="0" algn="l" fontAlgn="base" latinLnBrk="0">
-                        <a:lnSpc>
-                          <a:spcPct val="130000"/>
-                        </a:lnSpc>
-                        <a:spcBef>
-                          <a:spcPts val="0"/>
-                        </a:spcBef>
-                        <a:spcAft>
-                          <a:spcPts val="0"/>
-                        </a:spcAft>
-                      </a:pPr>
                       <a:r>
-                        <a:rPr lang="ko-KR" altLang="en-US" sz="1500" b="0" kern="0" spc="0" dirty="0">
+                        <a:rPr lang="en-US" altLang="ko-KR" sz="1500" b="0" kern="0" spc="5">
                           <a:solidFill>
                             <a:schemeClr val="bg1">
                               <a:lumMod val="50000"/>
                             </a:schemeClr>
                           </a:solidFill>
-                          <a:effectLst/>
-                          <a:latin typeface="맑은 고딕" panose="020B0503020000020004" pitchFamily="50" charset="-127"/>
+                          <a:latin typeface="맑은 고딕"/>
                         </a:rPr>
-                        <a:t>제품판매를 위한 사이트는 그대로 유지하되 기능에 대한 효과정보를 추가할 것이다</a:t>
+                        <a:t>.</a:t>
                       </a:r>
+                      <a:endParaRPr lang="en-US" altLang="ko-KR" sz="1500" b="0" kern="0" spc="5">
+                        <a:solidFill>
+                          <a:schemeClr val="bg1">
+                            <a:lumMod val="50000"/>
+                          </a:schemeClr>
+                        </a:solidFill>
+                        <a:latin typeface="맑은 고딕"/>
+                      </a:endParaRPr>
+                    </a:p>
+                    <a:p>
+                      <a:pPr marL="0" indent="0" algn="l" latinLnBrk="0">
+                        <a:lnSpc>
+                          <a:spcPct val="130000"/>
+                        </a:lnSpc>
+                        <a:spcBef>
+                          <a:spcPct val="0"/>
+                        </a:spcBef>
+                        <a:spcAft>
+                          <a:spcPct val="0"/>
+                        </a:spcAft>
+                        <a:defRPr lang="ko-KR" altLang="en-US"/>
+                      </a:pPr>
                       <a:r>
-                        <a:rPr lang="en-US" altLang="ko-KR" sz="1500" b="0" kern="0" spc="0" dirty="0">
+                        <a:rPr lang="ko-KR" altLang="en-US" sz="1500" b="0" kern="0" spc="5">
                           <a:solidFill>
                             <a:schemeClr val="bg1">
                               <a:lumMod val="50000"/>
                             </a:schemeClr>
                           </a:solidFill>
-                          <a:effectLst/>
-                          <a:latin typeface="맑은 고딕" panose="020B0503020000020004" pitchFamily="50" charset="-127"/>
+                          <a:latin typeface="맑은 고딕"/>
                         </a:rPr>
-                        <a:t>.</a:t>
+                        <a:t>또 한</a:t>
                       </a:r>
-                    </a:p>
-                    <a:p>
-                      <a:pPr marL="0" marR="0" indent="0" algn="l" fontAlgn="base" latinLnBrk="0">
-                        <a:lnSpc>
-                          <a:spcPct val="130000"/>
-                        </a:lnSpc>
-                        <a:spcBef>
-                          <a:spcPts val="0"/>
-                        </a:spcBef>
-                        <a:spcAft>
-                          <a:spcPts val="0"/>
-                        </a:spcAft>
-                      </a:pPr>
                       <a:r>
-                        <a:rPr lang="ko-KR" altLang="en-US" sz="1500" b="0" kern="0" spc="0" dirty="0">
+                        <a:rPr lang="en-US" altLang="ko-KR" sz="1500" b="0" kern="0" spc="5">
                           <a:solidFill>
                             <a:schemeClr val="bg1">
                               <a:lumMod val="50000"/>
                             </a:schemeClr>
                           </a:solidFill>
-                          <a:effectLst/>
-                          <a:latin typeface="맑은 고딕" panose="020B0503020000020004" pitchFamily="50" charset="-127"/>
+                          <a:latin typeface="맑은 고딕"/>
                         </a:rPr>
-                        <a:t>또 한</a:t>
+                        <a:t>, </a:t>
                       </a:r>
                       <a:r>
-                        <a:rPr lang="en-US" altLang="ko-KR" sz="1500" b="0" kern="0" spc="0" dirty="0">
+                        <a:rPr lang="ko-KR" altLang="en-US" sz="1500" b="0" kern="0" spc="5">
                           <a:solidFill>
                             <a:schemeClr val="bg1">
                               <a:lumMod val="50000"/>
                             </a:schemeClr>
                           </a:solidFill>
-                          <a:effectLst/>
-                          <a:latin typeface="맑은 고딕" panose="020B0503020000020004" pitchFamily="50" charset="-127"/>
+                          <a:latin typeface="맑은 고딕"/>
                         </a:rPr>
-                        <a:t>, </a:t>
+                        <a:t>자사가 진행하는 친환경 사업효과 참여 및 친환경 효과 및 소개</a:t>
                       </a:r>
                       <a:r>
-                        <a:rPr lang="ko-KR" altLang="en-US" sz="1500" b="0" kern="0" spc="0" dirty="0">
+                        <a:rPr lang="en-US" altLang="ko-KR" sz="1500" b="0" kern="0" spc="5">
                           <a:solidFill>
                             <a:schemeClr val="bg1">
                               <a:lumMod val="50000"/>
                             </a:schemeClr>
                           </a:solidFill>
-                          <a:effectLst/>
-                          <a:latin typeface="맑은 고딕" panose="020B0503020000020004" pitchFamily="50" charset="-127"/>
+                          <a:latin typeface="맑은 고딕"/>
                         </a:rPr>
-                        <a:t>자사가 진행하는 친환경 사업효과 참여 및 친환경 효과 및 소개</a:t>
+                        <a:t>, </a:t>
                       </a:r>
                       <a:r>
-                        <a:rPr lang="en-US" altLang="ko-KR" sz="1500" b="0" kern="0" spc="0" dirty="0">
+                        <a:rPr lang="ko-KR" altLang="en-US" sz="1500" b="0" kern="0" spc="5">
                           <a:solidFill>
                             <a:schemeClr val="bg1">
                               <a:lumMod val="50000"/>
                             </a:schemeClr>
                           </a:solidFill>
-                          <a:effectLst/>
-                          <a:latin typeface="맑은 고딕" panose="020B0503020000020004" pitchFamily="50" charset="-127"/>
+                          <a:latin typeface="맑은 고딕"/>
                         </a:rPr>
-                        <a:t>, </a:t>
+                        <a:t>정보제공 사이트는 맑고 포근하며 친환경적인 내츄럴한 이미지를 얻기 위해</a:t>
                       </a:r>
                       <a:r>
-                        <a:rPr lang="ko-KR" altLang="en-US" sz="1500" b="0" kern="0" spc="0" dirty="0">
+                        <a:rPr lang="en-US" altLang="ko-KR" sz="1500" b="0" kern="0" spc="5">
                           <a:solidFill>
                             <a:schemeClr val="bg1">
                               <a:lumMod val="50000"/>
                             </a:schemeClr>
                           </a:solidFill>
-                          <a:effectLst/>
-                          <a:latin typeface="맑은 고딕" panose="020B0503020000020004" pitchFamily="50" charset="-127"/>
+                          <a:latin typeface="맑은 고딕"/>
                         </a:rPr>
-                        <a:t>정보제공 사이트는 맑고 포근하며 친환경적인 </a:t>
+                        <a:t> </a:t>
                       </a:r>
                       <a:r>
-                        <a:rPr lang="ko-KR" altLang="en-US" sz="1500" b="0" kern="0" spc="0" dirty="0" err="1">
+                        <a:rPr lang="ko-KR" altLang="en-US" sz="1500" b="0" kern="0" spc="5">
                           <a:solidFill>
                             <a:schemeClr val="bg1">
                               <a:lumMod val="50000"/>
                             </a:schemeClr>
                           </a:solidFill>
-                          <a:effectLst/>
-                          <a:latin typeface="맑은 고딕" panose="020B0503020000020004" pitchFamily="50" charset="-127"/>
+                          <a:latin typeface="맑은 고딕"/>
                         </a:rPr>
-                        <a:t>내츄럴한</a:t>
+                        <a:t>녹색계열의 색을 사용하기로 하였다</a:t>
                       </a:r>
                       <a:r>
-                        <a:rPr lang="ko-KR" altLang="en-US" sz="1500" b="0" kern="0" spc="0" dirty="0">
+                        <a:rPr lang="en-US" altLang="ko-KR" sz="1500" b="0" kern="0" spc="5">
                           <a:solidFill>
                             <a:schemeClr val="bg1">
                               <a:lumMod val="50000"/>
                             </a:schemeClr>
                           </a:solidFill>
-                          <a:effectLst/>
-                          <a:latin typeface="맑은 고딕" panose="020B0503020000020004" pitchFamily="50" charset="-127"/>
+                          <a:latin typeface="맑은 고딕"/>
                         </a:rPr>
-                        <a:t> 이미지를 얻기 위해</a:t>
+                        <a:t>.</a:t>
                       </a:r>
+                      <a:endParaRPr lang="en-US" altLang="ko-KR" sz="1500" b="0" kern="0" spc="5">
+                        <a:solidFill>
+                          <a:schemeClr val="bg1">
+                            <a:lumMod val="50000"/>
+                          </a:schemeClr>
+                        </a:solidFill>
+                        <a:latin typeface="맑은 고딕"/>
+                      </a:endParaRPr>
+                    </a:p>
+                    <a:p>
+                      <a:pPr marL="0" indent="0" algn="l" latinLnBrk="0">
+                        <a:lnSpc>
+                          <a:spcPct val="130000"/>
+                        </a:lnSpc>
+                        <a:spcBef>
+                          <a:spcPct val="0"/>
+                        </a:spcBef>
+                        <a:spcAft>
+                          <a:spcPct val="0"/>
+                        </a:spcAft>
+                        <a:defRPr lang="ko-KR" altLang="en-US"/>
+                      </a:pPr>
                       <a:r>
-                        <a:rPr lang="en-US" altLang="ko-KR" sz="1500" b="0" kern="0" spc="0" dirty="0">
+                        <a:rPr lang="ko-KR" altLang="en-US" sz="1500" b="0" kern="0" spc="5">
                           <a:solidFill>
                             <a:schemeClr val="bg1">
                               <a:lumMod val="50000"/>
                             </a:schemeClr>
                           </a:solidFill>
-                          <a:effectLst/>
-                          <a:latin typeface="맑은 고딕" panose="020B0503020000020004" pitchFamily="50" charset="-127"/>
-                        </a:rPr>
-                        <a:t> </a:t>
-                      </a:r>
-                      <a:r>
-                        <a:rPr lang="ko-KR" altLang="en-US" sz="1500" b="0" kern="0" spc="0" dirty="0">
-                          <a:solidFill>
-                            <a:schemeClr val="bg1">
-                              <a:lumMod val="50000"/>
-                            </a:schemeClr>
-                          </a:solidFill>
-                          <a:effectLst/>
-                          <a:latin typeface="맑은 고딕" panose="020B0503020000020004" pitchFamily="50" charset="-127"/>
-                        </a:rPr>
-                        <a:t>녹색계열의 색을 사용하기로 하였다</a:t>
-                      </a:r>
-                      <a:r>
-                        <a:rPr lang="en-US" altLang="ko-KR" sz="1500" b="0" kern="0" spc="0" dirty="0">
-                          <a:solidFill>
-                            <a:schemeClr val="bg1">
-                              <a:lumMod val="50000"/>
-                            </a:schemeClr>
-                          </a:solidFill>
-                          <a:effectLst/>
-                          <a:latin typeface="맑은 고딕" panose="020B0503020000020004" pitchFamily="50" charset="-127"/>
-                        </a:rPr>
-                        <a:t>.</a:t>
-                      </a:r>
-                    </a:p>
-                    <a:p>
-                      <a:pPr marL="0" marR="0" indent="0" algn="l" fontAlgn="base" latinLnBrk="0">
-                        <a:lnSpc>
-                          <a:spcPct val="130000"/>
-                        </a:lnSpc>
-                        <a:spcBef>
-                          <a:spcPts val="0"/>
-                        </a:spcBef>
-                        <a:spcAft>
-                          <a:spcPts val="0"/>
-                        </a:spcAft>
-                      </a:pPr>
-                      <a:r>
-                        <a:rPr lang="ko-KR" altLang="en-US" sz="1500" b="0" kern="0" spc="0" dirty="0">
-                          <a:solidFill>
-                            <a:schemeClr val="bg1">
-                              <a:lumMod val="50000"/>
-                            </a:schemeClr>
-                          </a:solidFill>
-                          <a:effectLst/>
-                          <a:latin typeface="맑은 고딕" panose="020B0503020000020004" pitchFamily="50" charset="-127"/>
+                          <a:latin typeface="맑은 고딕"/>
                         </a:rPr>
                         <a:t>제품 소개하는 페이지는 과하지 않은 우아함의 감각적이며 여유 있는 느낌의 색채를 사용하기 로 함</a:t>
                       </a:r>
-                      <a:endParaRPr lang="en-US" altLang="ko-KR" sz="1500" b="0" kern="0" spc="0" dirty="0">
+                      <a:endParaRPr lang="ko-KR" altLang="en-US" sz="1500" b="0" kern="0" spc="5">
                         <a:solidFill>
                           <a:schemeClr val="bg1">
                             <a:lumMod val="50000"/>
                           </a:schemeClr>
                         </a:solidFill>
-                        <a:effectLst/>
-                        <a:latin typeface="맑은 고딕" panose="020B0503020000020004" pitchFamily="50" charset="-127"/>
+                        <a:latin typeface="맑은 고딕"/>
                       </a:endParaRPr>
                     </a:p>
                     <a:p>
-                      <a:pPr marL="0" marR="0" indent="0" algn="l" fontAlgn="base" latinLnBrk="0">
+                      <a:pPr marL="0" indent="0" algn="l" latinLnBrk="0">
                         <a:lnSpc>
                           <a:spcPct val="130000"/>
                         </a:lnSpc>
                         <a:spcBef>
-                          <a:spcPts val="0"/>
+                          <a:spcPct val="0"/>
                         </a:spcBef>
                         <a:spcAft>
-                          <a:spcPts val="0"/>
+                          <a:spcPct val="0"/>
                         </a:spcAft>
-                      </a:pPr>
-                      <a:endParaRPr lang="en-US" altLang="ko-KR" sz="1500" b="0" kern="0" spc="0" dirty="0">
+                        <a:defRPr lang="ko-KR" altLang="en-US"/>
+                      </a:pPr>
+                      <a:endParaRPr lang="en-US" altLang="ko-KR" sz="1500" b="0" kern="0" spc="5">
                         <a:solidFill>
                           <a:schemeClr val="bg1">
                             <a:lumMod val="50000"/>
                           </a:schemeClr>
                         </a:solidFill>
-                        <a:effectLst/>
-                        <a:latin typeface="맑은 고딕" panose="020B0503020000020004" pitchFamily="50" charset="-127"/>
+                        <a:latin typeface="맑은 고딕"/>
                       </a:endParaRPr>
                     </a:p>
                   </a:txBody>
@@ -7773,8 +7718,6 @@
                       </a:solidFill>
                       <a:prstDash val="solid"/>
                       <a:round/>
-                      <a:headEnd type="none" w="med" len="med"/>
-                      <a:tailEnd type="none" w="med" len="med"/>
                     </a:lnL>
                     <a:lnR w="6350" cap="flat" cmpd="sng" algn="ctr">
                       <a:solidFill>
@@ -7784,8 +7727,6 @@
                       </a:solidFill>
                       <a:prstDash val="solid"/>
                       <a:round/>
-                      <a:headEnd type="none" w="med" len="med"/>
-                      <a:tailEnd type="none" w="med" len="med"/>
                     </a:lnR>
                     <a:lnT w="6350" cap="flat" cmpd="sng" algn="ctr">
                       <a:solidFill>
@@ -7795,8 +7736,6 @@
                       </a:solidFill>
                       <a:prstDash val="solid"/>
                       <a:round/>
-                      <a:headEnd type="none" w="med" len="med"/>
-                      <a:tailEnd type="none" w="med" len="med"/>
                     </a:lnT>
                     <a:lnB w="6350" cap="flat" cmpd="sng" algn="ctr">
                       <a:solidFill>
@@ -7806,16 +7745,9 @@
                       </a:solidFill>
                       <a:prstDash val="solid"/>
                       <a:round/>
-                      <a:headEnd type="none" w="med" len="med"/>
-                      <a:tailEnd type="none" w="med" len="med"/>
                     </a:lnB>
                   </a:tcPr>
                 </a:tc>
-                <a:extLst>
-                  <a:ext uri="{0D108BD9-81ED-4DB2-BD59-A6C34878D82A}">
-                    <a16:rowId xmlns:a16="http://schemas.microsoft.com/office/drawing/2014/main" val="1977821960"/>
-                  </a:ext>
-                </a:extLst>
               </a:tr>
             </a:tbl>
           </a:graphicData>
@@ -7823,13 +7755,7 @@
       </p:graphicFrame>
       <p:sp>
         <p:nvSpPr>
-          <p:cNvPr id="9" name="타원 8">
-            <a:extLst>
-              <a:ext uri="{FF2B5EF4-FFF2-40B4-BE49-F238E27FC236}">
-                <a16:creationId xmlns:a16="http://schemas.microsoft.com/office/drawing/2014/main" id="{1ECA5E18-A59E-4549-B4A0-C8BDAD448E59}"/>
-              </a:ext>
-            </a:extLst>
-          </p:cNvPr>
+          <p:cNvPr id="9" name="타원 8"/>
           <p:cNvSpPr/>
           <p:nvPr/>
         </p:nvSpPr>
@@ -7844,7 +7770,7 @@
           <a:noFill/>
           <a:ln w="38100">
             <a:solidFill>
-              <a:srgbClr val="FF0000"/>
+              <a:srgbClr val="ff0000"/>
             </a:solidFill>
           </a:ln>
         </p:spPr>
@@ -7865,24 +7791,22 @@
           </a:fontRef>
         </p:style>
         <p:txBody>
-          <a:bodyPr rtlCol="0" anchor="ctr"/>
+          <a:bodyPr anchor="ctr"/>
           <a:lstStyle/>
           <a:p>
-            <a:pPr algn="ctr"/>
+            <a:pPr algn="ctr">
+              <a:defRPr lang="ko-KR" altLang="en-US"/>
+            </a:pPr>
             <a:endParaRPr lang="ko-KR" altLang="en-US"/>
           </a:p>
         </p:txBody>
       </p:sp>
     </p:spTree>
-    <p:extLst>
-      <p:ext uri="{BB962C8B-B14F-4D97-AF65-F5344CB8AC3E}">
-        <p14:creationId xmlns:p14="http://schemas.microsoft.com/office/powerpoint/2010/main" val="854992685"/>
-      </p:ext>
-    </p:extLst>
   </p:cSld>
   <p:clrMapOvr>
     <a:masterClrMapping/>
   </p:clrMapOvr>
+  <p:transition xmlns:mc="http://schemas.openxmlformats.org/markup-compatibility/2006" xmlns:hp="http://schemas.haansoft.com/office/presentation/8.0" mc:Ignorable="hp" hp:hslDur="500"/>
 </p:sld>
 </file>
 
@@ -8911,7 +8835,7 @@
 </file>
 
 <file path=ppt/slides/slide15.xml><?xml version="1.0" encoding="utf-8"?>
-<p:sld xmlns:a="http://schemas.openxmlformats.org/drawingml/2006/main" xmlns:r="http://schemas.openxmlformats.org/officeDocument/2006/relationships" xmlns:p="http://schemas.openxmlformats.org/presentationml/2006/main">
+<p:sld xmlns:r="http://schemas.openxmlformats.org/officeDocument/2006/relationships" xmlns:c="http://schemas.openxmlformats.org/drawingml/2006/chart" xmlns:a="http://schemas.openxmlformats.org/drawingml/2006/main" xmlns:dgm="http://schemas.openxmlformats.org/drawingml/2006/diagram" xmlns:dsp="http://schemas.microsoft.com/office/drawing/2008/diagram" xmlns:p="http://schemas.openxmlformats.org/presentationml/2006/main">
   <p:cSld>
     <p:spTree>
       <p:nvGrpSpPr>
@@ -8927,20 +8851,37 @@
           <a:chExt cx="0" cy="0"/>
         </a:xfrm>
       </p:grpSpPr>
+      <p:pic>
+        <p:nvPicPr>
+          <p:cNvPr id="17" name=""/>
+          <p:cNvPicPr/>
+          <p:nvPr/>
+        </p:nvPicPr>
+        <p:blipFill rotWithShape="1">
+          <a:blip r:embed="rId2"/>
+          <a:srcRect l="39730" t="580" r="36090" b="-580"/>
+          <a:stretch>
+            <a:fillRect/>
+          </a:stretch>
+        </p:blipFill>
+        <p:spPr>
+          <a:xfrm>
+            <a:off x="3878036" y="2004582"/>
+            <a:ext cx="3315552" cy="4177595"/>
+          </a:xfrm>
+          <a:prstGeom prst="rect">
+            <a:avLst/>
+          </a:prstGeom>
+        </p:spPr>
+      </p:pic>
       <p:sp>
         <p:nvSpPr>
-          <p:cNvPr id="2" name="제목 1">
-            <a:extLst>
-              <a:ext uri="{FF2B5EF4-FFF2-40B4-BE49-F238E27FC236}">
-                <a16:creationId xmlns:a16="http://schemas.microsoft.com/office/drawing/2014/main" id="{1772E769-8912-421D-8154-14DF4C253CCD}"/>
-              </a:ext>
-            </a:extLst>
-          </p:cNvPr>
+          <p:cNvPr id="2" name="제목 1"/>
           <p:cNvSpPr>
             <a:spLocks noGrp="1"/>
           </p:cNvSpPr>
           <p:nvPr>
-            <p:ph type="ctrTitle"/>
+            <p:ph type="ctrTitle" idx="0"/>
           </p:nvPr>
         </p:nvSpPr>
         <p:spPr/>
@@ -8949,77 +8890,71 @@
           <a:lstStyle/>
           <a:p>
             <a:pPr>
-              <a:defRPr/>
+              <a:defRPr lang="ko-KR"/>
             </a:pPr>
             <a:r>
-              <a:rPr lang="en-US" altLang="ko-KR" b="1" dirty="0">
-                <a:solidFill>
-                  <a:srgbClr val="2AB9C7"/>
-                </a:solidFill>
-                <a:latin typeface="맑은 고딕" panose="020B0503020000020004" pitchFamily="50" charset="-127"/>
-                <a:ea typeface="맑은 고딕" panose="020B0503020000020004" pitchFamily="50" charset="-127"/>
+              <a:rPr lang="en-US" altLang="ko-KR" b="1">
+                <a:solidFill>
+                  <a:srgbClr val="2ab9c7"/>
+                </a:solidFill>
+                <a:latin typeface="맑은 고딕"/>
+                <a:ea typeface="맑은 고딕"/>
               </a:rPr>
               <a:t>5.</a:t>
             </a:r>
             <a:r>
-              <a:rPr lang="ko-KR" altLang="en-US" b="1" dirty="0">
-                <a:solidFill>
-                  <a:srgbClr val="2AB9C7"/>
-                </a:solidFill>
-                <a:latin typeface="맑은 고딕" panose="020B0503020000020004" pitchFamily="50" charset="-127"/>
-                <a:ea typeface="맑은 고딕" panose="020B0503020000020004" pitchFamily="50" charset="-127"/>
+              <a:rPr lang="ko-KR" altLang="en-US" b="1">
+                <a:solidFill>
+                  <a:srgbClr val="2ab9c7"/>
+                </a:solidFill>
+                <a:latin typeface="맑은 고딕"/>
+                <a:ea typeface="맑은 고딕"/>
               </a:rPr>
               <a:t> 웹페이지 구조 </a:t>
             </a:r>
             <a:r>
-              <a:rPr lang="en-US" altLang="ko-KR" b="1" dirty="0">
-                <a:solidFill>
-                  <a:srgbClr val="2AB9C7"/>
-                </a:solidFill>
-                <a:latin typeface="맑은 고딕" panose="020B0503020000020004" pitchFamily="50" charset="-127"/>
-                <a:ea typeface="맑은 고딕" panose="020B0503020000020004" pitchFamily="50" charset="-127"/>
+              <a:rPr lang="en-US" altLang="ko-KR" b="1">
+                <a:solidFill>
+                  <a:srgbClr val="2ab9c7"/>
+                </a:solidFill>
+                <a:latin typeface="맑은 고딕"/>
+                <a:ea typeface="맑은 고딕"/>
               </a:rPr>
               <a:t>(</a:t>
             </a:r>
             <a:r>
-              <a:rPr lang="ko-KR" altLang="en-US" b="1" dirty="0">
-                <a:solidFill>
-                  <a:srgbClr val="2AB9C7"/>
-                </a:solidFill>
-                <a:latin typeface="맑은 고딕" panose="020B0503020000020004" pitchFamily="50" charset="-127"/>
-                <a:ea typeface="맑은 고딕" panose="020B0503020000020004" pitchFamily="50" charset="-127"/>
+              <a:rPr lang="ko-KR" altLang="en-US" b="1">
+                <a:solidFill>
+                  <a:srgbClr val="2ab9c7"/>
+                </a:solidFill>
+                <a:latin typeface="맑은 고딕"/>
+                <a:ea typeface="맑은 고딕"/>
               </a:rPr>
               <a:t>전체 페이지 구성</a:t>
             </a:r>
             <a:r>
-              <a:rPr lang="en-US" altLang="ko-KR" b="1" dirty="0">
-                <a:solidFill>
-                  <a:srgbClr val="2AB9C7"/>
-                </a:solidFill>
-                <a:latin typeface="맑은 고딕" panose="020B0503020000020004" pitchFamily="50" charset="-127"/>
-                <a:ea typeface="맑은 고딕" panose="020B0503020000020004" pitchFamily="50" charset="-127"/>
+              <a:rPr lang="en-US" altLang="ko-KR" b="1">
+                <a:solidFill>
+                  <a:srgbClr val="2ab9c7"/>
+                </a:solidFill>
+                <a:latin typeface="맑은 고딕"/>
+                <a:ea typeface="맑은 고딕"/>
               </a:rPr>
               <a:t>)</a:t>
             </a:r>
-            <a:endParaRPr lang="ko-KR" altLang="en-US" b="1" dirty="0">
+            <a:endParaRPr lang="ko-KR" altLang="en-US" b="1">
               <a:solidFill>
-                <a:srgbClr val="2AB9C7"/>
+                <a:srgbClr val="2ab9c7"/>
               </a:solidFill>
-              <a:latin typeface="맑은 고딕" panose="020B0503020000020004" pitchFamily="50" charset="-127"/>
-              <a:ea typeface="맑은 고딕" panose="020B0503020000020004" pitchFamily="50" charset="-127"/>
+              <a:latin typeface="맑은 고딕"/>
+              <a:ea typeface="맑은 고딕"/>
             </a:endParaRPr>
           </a:p>
         </p:txBody>
       </p:sp>
       <p:sp>
         <p:nvSpPr>
-          <p:cNvPr id="4" name="부제목 3">
-            <a:extLst>
-              <a:ext uri="{FF2B5EF4-FFF2-40B4-BE49-F238E27FC236}">
-                <a16:creationId xmlns:a16="http://schemas.microsoft.com/office/drawing/2014/main" id="{F8129F98-56B5-4E0B-A242-C6F75CE43D38}"/>
-              </a:ext>
-            </a:extLst>
-          </p:cNvPr>
+          <p:cNvPr id="4" name="부제목 3"/>
           <p:cNvSpPr>
             <a:spLocks noGrp="1"/>
           </p:cNvSpPr>
@@ -9033,101 +8968,95 @@
           <a:lstStyle/>
           <a:p>
             <a:pPr>
-              <a:defRPr/>
+              <a:defRPr lang="ko-KR"/>
             </a:pPr>
             <a:r>
-              <a:rPr lang="ko-KR" altLang="en-US" dirty="0">
+              <a:rPr lang="ko-KR" altLang="en-US">
                 <a:solidFill>
                   <a:prstClr val="white">
                     <a:lumMod val="50000"/>
                   </a:prstClr>
                 </a:solidFill>
-                <a:latin typeface="맑은 고딕" panose="020B0503020000020004" pitchFamily="50" charset="-127"/>
-                <a:ea typeface="맑은 고딕" panose="020B0503020000020004" pitchFamily="50" charset="-127"/>
+                <a:latin typeface="맑은 고딕"/>
+                <a:ea typeface="맑은 고딕"/>
               </a:rPr>
               <a:t>0</a:t>
             </a:r>
             <a:r>
-              <a:rPr lang="en-US" altLang="ko-KR" dirty="0">
+              <a:rPr lang="en-US" altLang="ko-KR">
                 <a:solidFill>
                   <a:prstClr val="white">
                     <a:lumMod val="50000"/>
                   </a:prstClr>
                 </a:solidFill>
-                <a:latin typeface="맑은 고딕" panose="020B0503020000020004" pitchFamily="50" charset="-127"/>
-                <a:ea typeface="맑은 고딕" panose="020B0503020000020004" pitchFamily="50" charset="-127"/>
+                <a:latin typeface="맑은 고딕"/>
+                <a:ea typeface="맑은 고딕"/>
               </a:rPr>
               <a:t>5</a:t>
             </a:r>
             <a:r>
-              <a:rPr lang="ko-KR" altLang="en-US" dirty="0">
+              <a:rPr lang="ko-KR" altLang="en-US">
                 <a:solidFill>
                   <a:prstClr val="white">
                     <a:lumMod val="50000"/>
                   </a:prstClr>
                 </a:solidFill>
-                <a:latin typeface="맑은 고딕" panose="020B0503020000020004" pitchFamily="50" charset="-127"/>
-                <a:ea typeface="맑은 고딕" panose="020B0503020000020004" pitchFamily="50" charset="-127"/>
+                <a:latin typeface="맑은 고딕"/>
+                <a:ea typeface="맑은 고딕"/>
               </a:rPr>
               <a:t>-</a:t>
             </a:r>
             <a:r>
-              <a:rPr lang="en-US" altLang="ko-KR" dirty="0">
+              <a:rPr lang="en-US" altLang="ko-KR">
                 <a:solidFill>
                   <a:prstClr val="white">
                     <a:lumMod val="50000"/>
                   </a:prstClr>
                 </a:solidFill>
-                <a:latin typeface="맑은 고딕" panose="020B0503020000020004" pitchFamily="50" charset="-127"/>
-                <a:ea typeface="맑은 고딕" panose="020B0503020000020004" pitchFamily="50" charset="-127"/>
+                <a:latin typeface="맑은 고딕"/>
+                <a:ea typeface="맑은 고딕"/>
               </a:rPr>
               <a:t>1</a:t>
             </a:r>
             <a:r>
-              <a:rPr lang="ko-KR" altLang="en-US" dirty="0">
+              <a:rPr lang="ko-KR" altLang="en-US">
                 <a:solidFill>
                   <a:prstClr val="white">
                     <a:lumMod val="50000"/>
                   </a:prstClr>
                 </a:solidFill>
-                <a:latin typeface="맑은 고딕" panose="020B0503020000020004" pitchFamily="50" charset="-127"/>
-                <a:ea typeface="맑은 고딕" panose="020B0503020000020004" pitchFamily="50" charset="-127"/>
+                <a:latin typeface="맑은 고딕"/>
+                <a:ea typeface="맑은 고딕"/>
               </a:rPr>
               <a:t> </a:t>
             </a:r>
             <a:r>
-              <a:rPr lang="en-US" altLang="ko-KR" dirty="0">
+              <a:rPr lang="en-US" altLang="ko-KR">
                 <a:solidFill>
                   <a:prstClr val="white">
                     <a:lumMod val="50000"/>
                   </a:prstClr>
                 </a:solidFill>
-                <a:latin typeface="맑은 고딕" panose="020B0503020000020004" pitchFamily="50" charset="-127"/>
-                <a:ea typeface="맑은 고딕" panose="020B0503020000020004" pitchFamily="50" charset="-127"/>
+                <a:latin typeface="맑은 고딕"/>
+                <a:ea typeface="맑은 고딕"/>
               </a:rPr>
               <a:t>Information Architecture</a:t>
             </a:r>
-            <a:endParaRPr lang="ko-KR" altLang="en-US" dirty="0">
+            <a:endParaRPr lang="ko-KR" altLang="en-US">
               <a:solidFill>
                 <a:prstClr val="white">
                   <a:lumMod val="50000"/>
                 </a:prstClr>
               </a:solidFill>
-              <a:latin typeface="맑은 고딕" panose="020B0503020000020004" pitchFamily="50" charset="-127"/>
-              <a:ea typeface="맑은 고딕" panose="020B0503020000020004" pitchFamily="50" charset="-127"/>
+              <a:latin typeface="맑은 고딕"/>
+              <a:ea typeface="맑은 고딕"/>
             </a:endParaRPr>
           </a:p>
         </p:txBody>
       </p:sp>
       <p:sp>
         <p:nvSpPr>
-          <p:cNvPr id="8" name="텍스트 개체 틀 7">
-            <a:extLst>
-              <a:ext uri="{FF2B5EF4-FFF2-40B4-BE49-F238E27FC236}">
-                <a16:creationId xmlns:a16="http://schemas.microsoft.com/office/drawing/2014/main" id="{2E208BD1-DA3A-440C-BAA8-8A3A24DA24F6}"/>
-              </a:ext>
-            </a:extLst>
-          </p:cNvPr>
+          <p:cNvPr id="8" name="텍스트 개체 틀 7"/>
           <p:cNvSpPr>
             <a:spLocks noGrp="1"/>
           </p:cNvSpPr>
@@ -9140,38 +9069,33 @@
           <a:bodyPr/>
           <a:lstStyle/>
           <a:p>
-            <a:r>
-              <a:rPr lang="ko-KR" altLang="en-US" dirty="0"/>
+            <a:pPr lvl="0">
+              <a:defRPr lang="ko-KR" altLang="en-US"/>
+            </a:pPr>
+            <a:r>
+              <a:rPr lang="ko-KR" altLang="en-US"/>
               <a:t>사이트 구성에 따른 전체 페이지 정보구조 설계 </a:t>
             </a:r>
             <a:r>
-              <a:rPr lang="en-US" altLang="ko-KR" dirty="0"/>
+              <a:rPr lang="en-US" altLang="ko-KR"/>
               <a:t>( 20</a:t>
             </a:r>
             <a:r>
-              <a:rPr lang="ko-KR" altLang="en-US" dirty="0"/>
+              <a:rPr lang="ko-KR" altLang="en-US"/>
               <a:t>페이지 이상 구성 </a:t>
             </a:r>
             <a:r>
-              <a:rPr lang="en-US" altLang="ko-KR" dirty="0"/>
+              <a:rPr lang="en-US" altLang="ko-KR"/>
               <a:t>)</a:t>
             </a:r>
-            <a:endParaRPr lang="ko-KR" altLang="en-US" dirty="0"/>
+            <a:endParaRPr lang="ko-KR" altLang="en-US"/>
           </a:p>
         </p:txBody>
       </p:sp>
       <p:sp>
         <p:nvSpPr>
-          <p:cNvPr id="13" name="텍스트 개체 틀 7">
-            <a:extLst>
-              <a:ext uri="{FF2B5EF4-FFF2-40B4-BE49-F238E27FC236}">
-                <a16:creationId xmlns:a16="http://schemas.microsoft.com/office/drawing/2014/main" id="{E4712E7B-275C-4E91-B4F6-F77FF3DFC65F}"/>
-              </a:ext>
-            </a:extLst>
-          </p:cNvPr>
-          <p:cNvSpPr txBox="1">
-            <a:spLocks/>
-          </p:cNvSpPr>
+          <p:cNvPr id="13" name="텍스트 개체 틀 7"/>
+          <p:cNvSpPr txBox="1"/>
           <p:nvPr/>
         </p:nvSpPr>
         <p:spPr>
@@ -9194,10 +9118,10 @@
                 <a:spcPts val="1000"/>
               </a:spcBef>
               <a:buClr>
-                <a:srgbClr val="2AB9C7"/>
+                <a:srgbClr val="2ab9c7"/>
               </a:buClr>
               <a:buSzPct val="80000"/>
-              <a:buFont typeface="Wingdings" panose="05000000000000000000" pitchFamily="2" charset="2"/>
+              <a:buFont typeface="Wingdings"/>
               <a:buChar char="l"/>
               <a:defRPr sz="1600" kern="1200">
                 <a:solidFill>
@@ -9215,7 +9139,7 @@
               <a:spcBef>
                 <a:spcPts val="500"/>
               </a:spcBef>
-              <a:buFont typeface="Arial" panose="020B0604020202020204" pitchFamily="34" charset="0"/>
+              <a:buFont typeface="Arial"/>
               <a:buNone/>
               <a:defRPr sz="1400" kern="1200">
                 <a:solidFill>
@@ -9233,7 +9157,7 @@
               <a:spcBef>
                 <a:spcPts val="500"/>
               </a:spcBef>
-              <a:buFont typeface="Arial" panose="020B0604020202020204" pitchFamily="34" charset="0"/>
+              <a:buFont typeface="Arial"/>
               <a:buNone/>
               <a:defRPr sz="1200" kern="1200">
                 <a:solidFill>
@@ -9251,7 +9175,7 @@
               <a:spcBef>
                 <a:spcPts val="500"/>
               </a:spcBef>
-              <a:buFont typeface="Arial" panose="020B0604020202020204" pitchFamily="34" charset="0"/>
+              <a:buFont typeface="Arial"/>
               <a:buNone/>
               <a:defRPr sz="1000" kern="1200">
                 <a:solidFill>
@@ -9269,7 +9193,7 @@
               <a:spcBef>
                 <a:spcPts val="500"/>
               </a:spcBef>
-              <a:buFont typeface="Arial" panose="020B0604020202020204" pitchFamily="34" charset="0"/>
+              <a:buFont typeface="Arial"/>
               <a:buNone/>
               <a:defRPr sz="1000" kern="1200">
                 <a:solidFill>
@@ -9287,7 +9211,7 @@
               <a:spcBef>
                 <a:spcPts val="500"/>
               </a:spcBef>
-              <a:buFont typeface="Arial" panose="020B0604020202020204" pitchFamily="34" charset="0"/>
+              <a:buFont typeface="Arial"/>
               <a:buNone/>
               <a:defRPr sz="1000" kern="1200">
                 <a:solidFill>
@@ -9305,7 +9229,7 @@
               <a:spcBef>
                 <a:spcPts val="500"/>
               </a:spcBef>
-              <a:buFont typeface="Arial" panose="020B0604020202020204" pitchFamily="34" charset="0"/>
+              <a:buFont typeface="Arial"/>
               <a:buNone/>
               <a:defRPr sz="1000" kern="1200">
                 <a:solidFill>
@@ -9323,7 +9247,7 @@
               <a:spcBef>
                 <a:spcPts val="500"/>
               </a:spcBef>
-              <a:buFont typeface="Arial" panose="020B0604020202020204" pitchFamily="34" charset="0"/>
+              <a:buFont typeface="Arial"/>
               <a:buNone/>
               <a:defRPr sz="1000" kern="1200">
                 <a:solidFill>
@@ -9341,7 +9265,7 @@
               <a:spcBef>
                 <a:spcPts val="500"/>
               </a:spcBef>
-              <a:buFont typeface="Arial" panose="020B0604020202020204" pitchFamily="34" charset="0"/>
+              <a:buFont typeface="Arial"/>
               <a:buNone/>
               <a:defRPr sz="1000" kern="1200">
                 <a:solidFill>
@@ -9354,26 +9278,24 @@
             </a:lvl9pPr>
           </a:lstStyle>
           <a:p>
-            <a:r>
-              <a:rPr lang="en-US" altLang="ko-KR" dirty="0"/>
+            <a:pPr lvl="0">
+              <a:defRPr lang="ko-KR" altLang="en-US"/>
+            </a:pPr>
+            <a:r>
+              <a:rPr lang="en-US" altLang="ko-KR"/>
               <a:t>git-mind</a:t>
             </a:r>
             <a:r>
-              <a:rPr lang="ko-KR" altLang="en-US" dirty="0"/>
+              <a:rPr lang="ko-KR" altLang="en-US"/>
               <a:t> 활용 이미지 배치</a:t>
             </a:r>
+            <a:endParaRPr lang="ko-KR" altLang="en-US"/>
           </a:p>
         </p:txBody>
       </p:sp>
       <p:sp>
         <p:nvSpPr>
-          <p:cNvPr id="15" name="슬라이드 번호 개체 틀 3">
-            <a:extLst>
-              <a:ext uri="{FF2B5EF4-FFF2-40B4-BE49-F238E27FC236}">
-                <a16:creationId xmlns:a16="http://schemas.microsoft.com/office/drawing/2014/main" id="{4413EFBF-3FCD-4D75-807F-6527E708E6C2}"/>
-              </a:ext>
-            </a:extLst>
-          </p:cNvPr>
+          <p:cNvPr id="15" name="슬라이드 번호 개체 틀 3"/>
           <p:cNvSpPr>
             <a:spLocks noGrp="1"/>
           </p:cNvSpPr>
@@ -9404,9 +9326,14 @@
             </a:lvl1pPr>
           </a:lstStyle>
           <a:p>
+            <a:pPr lvl="0">
+              <a:defRPr lang="ko-KR" altLang="en-US"/>
+            </a:pPr>
             <a:fld id="{418EBCF5-7C0D-4452-BD99-4798E1600F69}" type="slidenum">
               <a:rPr lang="ko-KR" altLang="en-US" sz="1100"/>
-              <a:pPr/>
+              <a:pPr lvl="0">
+                <a:defRPr lang="ko-KR" altLang="en-US"/>
+              </a:pPr>
               <a:t>15</a:t>
             </a:fld>
             <a:endParaRPr lang="ko-KR" altLang="en-US" sz="1100"/>
@@ -9415,23 +9342,20 @@
       </p:sp>
       <p:sp>
         <p:nvSpPr>
-          <p:cNvPr id="6" name="화살표: 오른쪽 5">
-            <a:extLst>
-              <a:ext uri="{FF2B5EF4-FFF2-40B4-BE49-F238E27FC236}">
-                <a16:creationId xmlns:a16="http://schemas.microsoft.com/office/drawing/2014/main" id="{241A1FB8-D088-44CD-A7D9-8462B466DB42}"/>
-              </a:ext>
-            </a:extLst>
-          </p:cNvPr>
+          <p:cNvPr id="18" name="화살표: 오른쪽 5"/>
           <p:cNvSpPr/>
           <p:nvPr/>
         </p:nvSpPr>
         <p:spPr>
-          <a:xfrm>
-            <a:off x="5467351" y="3514725"/>
+          <a:xfrm rot="5400000">
+            <a:off x="10364107" y="5497737"/>
             <a:ext cx="495300" cy="704851"/>
           </a:xfrm>
           <a:prstGeom prst="rightArrow">
-            <a:avLst/>
+            <a:avLst>
+              <a:gd name="adj1" fmla="val 50000"/>
+              <a:gd name="adj2" fmla="val 50000"/>
+            </a:avLst>
           </a:prstGeom>
         </p:spPr>
         <p:style>
@@ -9451,29 +9375,27 @@
           </a:fontRef>
         </p:style>
         <p:txBody>
-          <a:bodyPr rtlCol="0" anchor="ctr"/>
+          <a:bodyPr anchor="ctr"/>
           <a:lstStyle/>
           <a:p>
-            <a:pPr algn="ctr"/>
+            <a:pPr algn="ctr">
+              <a:defRPr lang="ko-KR" altLang="en-US"/>
+            </a:pPr>
             <a:endParaRPr lang="ko-KR" altLang="en-US"/>
           </a:p>
         </p:txBody>
       </p:sp>
     </p:spTree>
-    <p:extLst>
-      <p:ext uri="{BB962C8B-B14F-4D97-AF65-F5344CB8AC3E}">
-        <p14:creationId xmlns:p14="http://schemas.microsoft.com/office/powerpoint/2010/main" val="2200418699"/>
-      </p:ext>
-    </p:extLst>
   </p:cSld>
   <p:clrMapOvr>
     <a:masterClrMapping/>
   </p:clrMapOvr>
+  <p:transition xmlns:mc="http://schemas.openxmlformats.org/markup-compatibility/2006" xmlns:hp="http://schemas.haansoft.com/office/presentation/8.0" mc:Ignorable="hp" hp:hslDur="500"/>
 </p:sld>
 </file>
 
 <file path=ppt/slides/slide16.xml><?xml version="1.0" encoding="utf-8"?>
-<p:sld xmlns:a="http://schemas.openxmlformats.org/drawingml/2006/main" xmlns:r="http://schemas.openxmlformats.org/officeDocument/2006/relationships" xmlns:p="http://schemas.openxmlformats.org/presentationml/2006/main">
+<p:sld xmlns:r="http://schemas.openxmlformats.org/officeDocument/2006/relationships" xmlns:c="http://schemas.openxmlformats.org/drawingml/2006/chart" xmlns:a="http://schemas.openxmlformats.org/drawingml/2006/main" xmlns:dgm="http://schemas.openxmlformats.org/drawingml/2006/diagram" xmlns:dsp="http://schemas.microsoft.com/office/drawing/2008/diagram" xmlns:p="http://schemas.openxmlformats.org/presentationml/2006/main">
   <p:cSld>
     <p:spTree>
       <p:nvGrpSpPr>
@@ -9489,20 +9411,88 @@
           <a:chExt cx="0" cy="0"/>
         </a:xfrm>
       </p:grpSpPr>
+      <p:pic>
+        <p:nvPicPr>
+          <p:cNvPr id="8" name=""/>
+          <p:cNvPicPr>
+            <a:picLocks noChangeAspect="1"/>
+          </p:cNvPicPr>
+          <p:nvPr/>
+        </p:nvPicPr>
+        <p:blipFill rotWithShape="1">
+          <a:blip r:embed="rId2"/>
+          <a:stretch>
+            <a:fillRect/>
+          </a:stretch>
+        </p:blipFill>
+        <p:spPr>
+          <a:xfrm>
+            <a:off x="1031875" y="2015549"/>
+            <a:ext cx="10084232" cy="4096902"/>
+          </a:xfrm>
+          <a:prstGeom prst="rect">
+            <a:avLst/>
+          </a:prstGeom>
+        </p:spPr>
+      </p:pic>
+    </p:spTree>
+  </p:cSld>
+  <p:clrMapOvr>
+    <a:masterClrMapping/>
+  </p:clrMapOvr>
+  <p:transition xmlns:mc="http://schemas.openxmlformats.org/markup-compatibility/2006" xmlns:hp="http://schemas.haansoft.com/office/presentation/8.0" mc:Ignorable="hp" hp:hslDur="500"/>
+</p:sld>
+</file>
+
+<file path=ppt/slides/slide17.xml><?xml version="1.0" encoding="utf-8"?>
+<p:sld xmlns:r="http://schemas.openxmlformats.org/officeDocument/2006/relationships" xmlns:c="http://schemas.openxmlformats.org/drawingml/2006/chart" xmlns:a="http://schemas.openxmlformats.org/drawingml/2006/main" xmlns:dgm="http://schemas.openxmlformats.org/drawingml/2006/diagram" xmlns:dsp="http://schemas.microsoft.com/office/drawing/2008/diagram" xmlns:p="http://schemas.openxmlformats.org/presentationml/2006/main">
+  <p:cSld>
+    <p:spTree>
+      <p:nvGrpSpPr>
+        <p:cNvPr id="1" name=""/>
+        <p:cNvGrpSpPr/>
+        <p:nvPr/>
+      </p:nvGrpSpPr>
+      <p:grpSpPr>
+        <a:xfrm>
+          <a:off x="0" y="0"/>
+          <a:ext cx="0" cy="0"/>
+          <a:chOff x="0" y="0"/>
+          <a:chExt cx="0" cy="0"/>
+        </a:xfrm>
+      </p:grpSpPr>
+      <p:pic>
+        <p:nvPicPr>
+          <p:cNvPr id="14" name=""/>
+          <p:cNvPicPr>
+            <a:picLocks noChangeAspect="1"/>
+          </p:cNvPicPr>
+          <p:nvPr/>
+        </p:nvPicPr>
+        <p:blipFill rotWithShape="1">
+          <a:blip r:embed="rId2"/>
+          <a:stretch>
+            <a:fillRect/>
+          </a:stretch>
+        </p:blipFill>
+        <p:spPr>
+          <a:xfrm>
+            <a:off x="4001199" y="2087561"/>
+            <a:ext cx="4120701" cy="4083721"/>
+          </a:xfrm>
+          <a:prstGeom prst="rect">
+            <a:avLst/>
+          </a:prstGeom>
+        </p:spPr>
+      </p:pic>
       <p:sp>
         <p:nvSpPr>
-          <p:cNvPr id="2" name="제목 1">
-            <a:extLst>
-              <a:ext uri="{FF2B5EF4-FFF2-40B4-BE49-F238E27FC236}">
-                <a16:creationId xmlns:a16="http://schemas.microsoft.com/office/drawing/2014/main" id="{1772E769-8912-421D-8154-14DF4C253CCD}"/>
-              </a:ext>
-            </a:extLst>
-          </p:cNvPr>
+          <p:cNvPr id="2" name="제목 1"/>
           <p:cNvSpPr>
             <a:spLocks noGrp="1"/>
           </p:cNvSpPr>
           <p:nvPr>
-            <p:ph type="ctrTitle"/>
+            <p:ph type="ctrTitle" idx="0"/>
           </p:nvPr>
         </p:nvSpPr>
         <p:spPr/>
@@ -9511,84 +9501,78 @@
           <a:lstStyle/>
           <a:p>
             <a:pPr>
-              <a:defRPr/>
+              <a:defRPr lang="ko-KR"/>
             </a:pPr>
             <a:r>
-              <a:rPr lang="en-US" altLang="ko-KR" b="1" dirty="0">
-                <a:solidFill>
-                  <a:srgbClr val="2AB9C7"/>
-                </a:solidFill>
-                <a:latin typeface="맑은 고딕" panose="020B0503020000020004" pitchFamily="50" charset="-127"/>
-                <a:ea typeface="맑은 고딕" panose="020B0503020000020004" pitchFamily="50" charset="-127"/>
+              <a:rPr lang="en-US" altLang="ko-KR" b="1">
+                <a:solidFill>
+                  <a:srgbClr val="2ab9c7"/>
+                </a:solidFill>
+                <a:latin typeface="맑은 고딕"/>
+                <a:ea typeface="맑은 고딕"/>
               </a:rPr>
               <a:t>5.</a:t>
             </a:r>
             <a:r>
-              <a:rPr lang="ko-KR" altLang="en-US" b="1" dirty="0">
-                <a:solidFill>
-                  <a:srgbClr val="2AB9C7"/>
-                </a:solidFill>
-                <a:latin typeface="맑은 고딕" panose="020B0503020000020004" pitchFamily="50" charset="-127"/>
-                <a:ea typeface="맑은 고딕" panose="020B0503020000020004" pitchFamily="50" charset="-127"/>
+              <a:rPr lang="ko-KR" altLang="en-US" b="1">
+                <a:solidFill>
+                  <a:srgbClr val="2ab9c7"/>
+                </a:solidFill>
+                <a:latin typeface="맑은 고딕"/>
+                <a:ea typeface="맑은 고딕"/>
               </a:rPr>
               <a:t> 웹페이지 구조 </a:t>
             </a:r>
             <a:r>
-              <a:rPr lang="en-US" altLang="ko-KR" b="1" dirty="0">
-                <a:solidFill>
-                  <a:srgbClr val="2AB9C7"/>
-                </a:solidFill>
-                <a:latin typeface="맑은 고딕" panose="020B0503020000020004" pitchFamily="50" charset="-127"/>
-                <a:ea typeface="맑은 고딕" panose="020B0503020000020004" pitchFamily="50" charset="-127"/>
+              <a:rPr lang="en-US" altLang="ko-KR" b="1">
+                <a:solidFill>
+                  <a:srgbClr val="2ab9c7"/>
+                </a:solidFill>
+                <a:latin typeface="맑은 고딕"/>
+                <a:ea typeface="맑은 고딕"/>
               </a:rPr>
               <a:t>(</a:t>
             </a:r>
             <a:r>
-              <a:rPr lang="ko-KR" altLang="en-US" dirty="0">
-                <a:latin typeface="맑은 고딕" panose="020B0503020000020004" pitchFamily="50" charset="-127"/>
-                <a:ea typeface="맑은 고딕" panose="020B0503020000020004" pitchFamily="50" charset="-127"/>
+              <a:rPr lang="ko-KR" altLang="en-US">
+                <a:latin typeface="맑은 고딕"/>
+                <a:ea typeface="맑은 고딕"/>
               </a:rPr>
               <a:t>메인</a:t>
             </a:r>
             <a:r>
-              <a:rPr lang="ko-KR" altLang="en-US" b="1" dirty="0">
-                <a:solidFill>
-                  <a:srgbClr val="2AB9C7"/>
-                </a:solidFill>
-                <a:latin typeface="맑은 고딕" panose="020B0503020000020004" pitchFamily="50" charset="-127"/>
-                <a:ea typeface="맑은 고딕" panose="020B0503020000020004" pitchFamily="50" charset="-127"/>
+              <a:rPr lang="ko-KR" altLang="en-US" b="1">
+                <a:solidFill>
+                  <a:srgbClr val="2ab9c7"/>
+                </a:solidFill>
+                <a:latin typeface="맑은 고딕"/>
+                <a:ea typeface="맑은 고딕"/>
               </a:rPr>
               <a:t> 페이지 구성</a:t>
             </a:r>
             <a:r>
-              <a:rPr lang="en-US" altLang="ko-KR" b="1" dirty="0">
-                <a:solidFill>
-                  <a:srgbClr val="2AB9C7"/>
-                </a:solidFill>
-                <a:latin typeface="맑은 고딕" panose="020B0503020000020004" pitchFamily="50" charset="-127"/>
-                <a:ea typeface="맑은 고딕" panose="020B0503020000020004" pitchFamily="50" charset="-127"/>
+              <a:rPr lang="en-US" altLang="ko-KR" b="1">
+                <a:solidFill>
+                  <a:srgbClr val="2ab9c7"/>
+                </a:solidFill>
+                <a:latin typeface="맑은 고딕"/>
+                <a:ea typeface="맑은 고딕"/>
               </a:rPr>
               <a:t>)</a:t>
             </a:r>
-            <a:endParaRPr lang="ko-KR" altLang="en-US" b="1" dirty="0">
+            <a:endParaRPr lang="ko-KR" altLang="en-US" b="1">
               <a:solidFill>
-                <a:srgbClr val="2AB9C7"/>
+                <a:srgbClr val="2ab9c7"/>
               </a:solidFill>
-              <a:latin typeface="맑은 고딕" panose="020B0503020000020004" pitchFamily="50" charset="-127"/>
-              <a:ea typeface="맑은 고딕" panose="020B0503020000020004" pitchFamily="50" charset="-127"/>
+              <a:latin typeface="맑은 고딕"/>
+              <a:ea typeface="맑은 고딕"/>
             </a:endParaRPr>
           </a:p>
         </p:txBody>
       </p:sp>
       <p:sp>
         <p:nvSpPr>
-          <p:cNvPr id="4" name="부제목 3">
-            <a:extLst>
-              <a:ext uri="{FF2B5EF4-FFF2-40B4-BE49-F238E27FC236}">
-                <a16:creationId xmlns:a16="http://schemas.microsoft.com/office/drawing/2014/main" id="{F8129F98-56B5-4E0B-A242-C6F75CE43D38}"/>
-              </a:ext>
-            </a:extLst>
-          </p:cNvPr>
+          <p:cNvPr id="4" name="부제목 3"/>
           <p:cNvSpPr>
             <a:spLocks noGrp="1"/>
           </p:cNvSpPr>
@@ -9602,104 +9586,83 @@
           <a:lstStyle/>
           <a:p>
             <a:pPr>
-              <a:defRPr/>
+              <a:defRPr lang="ko-KR"/>
             </a:pPr>
             <a:r>
-              <a:rPr lang="ko-KR" altLang="en-US" dirty="0">
+              <a:rPr lang="ko-KR" altLang="en-US">
                 <a:solidFill>
                   <a:prstClr val="white">
                     <a:lumMod val="50000"/>
                   </a:prstClr>
                 </a:solidFill>
-                <a:latin typeface="맑은 고딕" panose="020B0503020000020004" pitchFamily="50" charset="-127"/>
-                <a:ea typeface="맑은 고딕" panose="020B0503020000020004" pitchFamily="50" charset="-127"/>
+                <a:latin typeface="맑은 고딕"/>
+                <a:ea typeface="맑은 고딕"/>
               </a:rPr>
               <a:t>0</a:t>
             </a:r>
             <a:r>
-              <a:rPr lang="en-US" altLang="ko-KR" dirty="0">
+              <a:rPr lang="en-US" altLang="ko-KR">
                 <a:solidFill>
                   <a:prstClr val="white">
                     <a:lumMod val="50000"/>
                   </a:prstClr>
                 </a:solidFill>
-                <a:latin typeface="맑은 고딕" panose="020B0503020000020004" pitchFamily="50" charset="-127"/>
-                <a:ea typeface="맑은 고딕" panose="020B0503020000020004" pitchFamily="50" charset="-127"/>
+                <a:latin typeface="맑은 고딕"/>
+                <a:ea typeface="맑은 고딕"/>
               </a:rPr>
               <a:t>5</a:t>
             </a:r>
             <a:r>
-              <a:rPr lang="ko-KR" altLang="en-US" dirty="0">
+              <a:rPr lang="ko-KR" altLang="en-US">
                 <a:solidFill>
                   <a:prstClr val="white">
                     <a:lumMod val="50000"/>
                   </a:prstClr>
                 </a:solidFill>
-                <a:latin typeface="맑은 고딕" panose="020B0503020000020004" pitchFamily="50" charset="-127"/>
-                <a:ea typeface="맑은 고딕" panose="020B0503020000020004" pitchFamily="50" charset="-127"/>
+                <a:latin typeface="맑은 고딕"/>
+                <a:ea typeface="맑은 고딕"/>
               </a:rPr>
               <a:t>-</a:t>
             </a:r>
             <a:r>
-              <a:rPr lang="en-US" altLang="ko-KR" dirty="0">
+              <a:rPr lang="en-US" altLang="ko-KR">
                 <a:solidFill>
                   <a:prstClr val="white">
                     <a:lumMod val="50000"/>
                   </a:prstClr>
                 </a:solidFill>
-                <a:latin typeface="맑은 고딕" panose="020B0503020000020004" pitchFamily="50" charset="-127"/>
-                <a:ea typeface="맑은 고딕" panose="020B0503020000020004" pitchFamily="50" charset="-127"/>
+                <a:latin typeface="맑은 고딕"/>
+                <a:ea typeface="맑은 고딕"/>
               </a:rPr>
               <a:t>2</a:t>
             </a:r>
             <a:r>
-              <a:rPr lang="ko-KR" altLang="en-US" dirty="0">
+              <a:rPr lang="ko-KR" altLang="en-US">
                 <a:solidFill>
                   <a:prstClr val="white">
                     <a:lumMod val="50000"/>
                   </a:prstClr>
                 </a:solidFill>
-                <a:latin typeface="맑은 고딕" panose="020B0503020000020004" pitchFamily="50" charset="-127"/>
-                <a:ea typeface="맑은 고딕" panose="020B0503020000020004" pitchFamily="50" charset="-127"/>
+                <a:latin typeface="맑은 고딕"/>
+                <a:ea typeface="맑은 고딕"/>
               </a:rPr>
-              <a:t> </a:t>
-            </a:r>
-            <a:r>
-              <a:rPr lang="ko-KR" altLang="en-US" dirty="0" err="1">
-                <a:solidFill>
-                  <a:prstClr val="white">
-                    <a:lumMod val="50000"/>
-                  </a:prstClr>
-                </a:solidFill>
-                <a:latin typeface="맑은 고딕" panose="020B0503020000020004" pitchFamily="50" charset="-127"/>
-                <a:ea typeface="맑은 고딕" panose="020B0503020000020004" pitchFamily="50" charset="-127"/>
-              </a:rPr>
-              <a:t>메인페이지</a:t>
-            </a:r>
-            <a:r>
-              <a:rPr lang="ko-KR" altLang="en-US" dirty="0">
-                <a:solidFill>
-                  <a:prstClr val="white">
-                    <a:lumMod val="50000"/>
-                  </a:prstClr>
-                </a:solidFill>
-                <a:latin typeface="맑은 고딕" panose="020B0503020000020004" pitchFamily="50" charset="-127"/>
-                <a:ea typeface="맑은 고딕" panose="020B0503020000020004" pitchFamily="50" charset="-127"/>
-              </a:rPr>
-              <a:t> 구조화 처리 </a:t>
-            </a:r>
+              <a:t> 메인페이지 구조화 처리 </a:t>
+            </a:r>
+            <a:endParaRPr lang="ko-KR" altLang="en-US">
+              <a:solidFill>
+                <a:prstClr val="white">
+                  <a:lumMod val="50000"/>
+                </a:prstClr>
+              </a:solidFill>
+              <a:latin typeface="맑은 고딕"/>
+              <a:ea typeface="맑은 고딕"/>
+            </a:endParaRPr>
           </a:p>
         </p:txBody>
       </p:sp>
       <p:sp>
         <p:nvSpPr>
-          <p:cNvPr id="8" name="텍스트 개체 틀 7">
-            <a:extLst>
-              <a:ext uri="{FF2B5EF4-FFF2-40B4-BE49-F238E27FC236}">
-                <a16:creationId xmlns:a16="http://schemas.microsoft.com/office/drawing/2014/main" id="{2E208BD1-DA3A-440C-BAA8-8A3A24DA24F6}"/>
-              </a:ext>
-            </a:extLst>
-          </p:cNvPr>
+          <p:cNvPr id="8" name="텍스트 개체 틀 7"/>
           <p:cNvSpPr>
             <a:spLocks noGrp="1"/>
           </p:cNvSpPr>
@@ -9712,25 +9675,21 @@
           <a:bodyPr/>
           <a:lstStyle/>
           <a:p>
-            <a:r>
-              <a:rPr lang="ko-KR" altLang="en-US" dirty="0"/>
+            <a:pPr lvl="0">
+              <a:defRPr lang="ko-KR" altLang="en-US"/>
+            </a:pPr>
+            <a:r>
+              <a:rPr lang="ko-KR" altLang="en-US"/>
               <a:t>페이지 구성에 따른 레이아웃 구성을 위한 구조 정리</a:t>
             </a:r>
+            <a:endParaRPr lang="ko-KR" altLang="en-US"/>
           </a:p>
         </p:txBody>
       </p:sp>
       <p:sp>
         <p:nvSpPr>
-          <p:cNvPr id="13" name="텍스트 개체 틀 7">
-            <a:extLst>
-              <a:ext uri="{FF2B5EF4-FFF2-40B4-BE49-F238E27FC236}">
-                <a16:creationId xmlns:a16="http://schemas.microsoft.com/office/drawing/2014/main" id="{E4712E7B-275C-4E91-B4F6-F77FF3DFC65F}"/>
-              </a:ext>
-            </a:extLst>
-          </p:cNvPr>
-          <p:cNvSpPr txBox="1">
-            <a:spLocks/>
-          </p:cNvSpPr>
+          <p:cNvPr id="13" name="텍스트 개체 틀 7"/>
+          <p:cNvSpPr txBox="1"/>
           <p:nvPr/>
         </p:nvSpPr>
         <p:spPr>
@@ -9753,10 +9712,10 @@
                 <a:spcPts val="1000"/>
               </a:spcBef>
               <a:buClr>
-                <a:srgbClr val="2AB9C7"/>
+                <a:srgbClr val="2ab9c7"/>
               </a:buClr>
               <a:buSzPct val="80000"/>
-              <a:buFont typeface="Wingdings" panose="05000000000000000000" pitchFamily="2" charset="2"/>
+              <a:buFont typeface="Wingdings"/>
               <a:buChar char="l"/>
               <a:defRPr sz="1600" kern="1200">
                 <a:solidFill>
@@ -9774,7 +9733,7 @@
               <a:spcBef>
                 <a:spcPts val="500"/>
               </a:spcBef>
-              <a:buFont typeface="Arial" panose="020B0604020202020204" pitchFamily="34" charset="0"/>
+              <a:buFont typeface="Arial"/>
               <a:buNone/>
               <a:defRPr sz="1400" kern="1200">
                 <a:solidFill>
@@ -9792,7 +9751,7 @@
               <a:spcBef>
                 <a:spcPts val="500"/>
               </a:spcBef>
-              <a:buFont typeface="Arial" panose="020B0604020202020204" pitchFamily="34" charset="0"/>
+              <a:buFont typeface="Arial"/>
               <a:buNone/>
               <a:defRPr sz="1200" kern="1200">
                 <a:solidFill>
@@ -9810,7 +9769,7 @@
               <a:spcBef>
                 <a:spcPts val="500"/>
               </a:spcBef>
-              <a:buFont typeface="Arial" panose="020B0604020202020204" pitchFamily="34" charset="0"/>
+              <a:buFont typeface="Arial"/>
               <a:buNone/>
               <a:defRPr sz="1000" kern="1200">
                 <a:solidFill>
@@ -9828,7 +9787,7 @@
               <a:spcBef>
                 <a:spcPts val="500"/>
               </a:spcBef>
-              <a:buFont typeface="Arial" panose="020B0604020202020204" pitchFamily="34" charset="0"/>
+              <a:buFont typeface="Arial"/>
               <a:buNone/>
               <a:defRPr sz="1000" kern="1200">
                 <a:solidFill>
@@ -9846,7 +9805,7 @@
               <a:spcBef>
                 <a:spcPts val="500"/>
               </a:spcBef>
-              <a:buFont typeface="Arial" panose="020B0604020202020204" pitchFamily="34" charset="0"/>
+              <a:buFont typeface="Arial"/>
               <a:buNone/>
               <a:defRPr sz="1000" kern="1200">
                 <a:solidFill>
@@ -9864,7 +9823,7 @@
               <a:spcBef>
                 <a:spcPts val="500"/>
               </a:spcBef>
-              <a:buFont typeface="Arial" panose="020B0604020202020204" pitchFamily="34" charset="0"/>
+              <a:buFont typeface="Arial"/>
               <a:buNone/>
               <a:defRPr sz="1000" kern="1200">
                 <a:solidFill>
@@ -9882,7 +9841,7 @@
               <a:spcBef>
                 <a:spcPts val="500"/>
               </a:spcBef>
-              <a:buFont typeface="Arial" panose="020B0604020202020204" pitchFamily="34" charset="0"/>
+              <a:buFont typeface="Arial"/>
               <a:buNone/>
               <a:defRPr sz="1000" kern="1200">
                 <a:solidFill>
@@ -9900,7 +9859,7 @@
               <a:spcBef>
                 <a:spcPts val="500"/>
               </a:spcBef>
-              <a:buFont typeface="Arial" panose="020B0604020202020204" pitchFamily="34" charset="0"/>
+              <a:buFont typeface="Arial"/>
               <a:buNone/>
               <a:defRPr sz="1000" kern="1200">
                 <a:solidFill>
@@ -9913,29 +9872,25 @@
             </a:lvl9pPr>
           </a:lstStyle>
           <a:p>
-            <a:r>
-              <a:rPr lang="en-US" altLang="ko-KR" dirty="0"/>
+            <a:pPr lvl="0">
+              <a:defRPr lang="ko-KR" altLang="en-US"/>
+            </a:pPr>
+            <a:r>
+              <a:rPr lang="en-US" altLang="ko-KR"/>
               <a:t>git-mind</a:t>
             </a:r>
             <a:r>
-              <a:rPr lang="ko-KR" altLang="en-US" dirty="0"/>
+              <a:rPr lang="ko-KR" altLang="en-US"/>
               <a:t> 활용 내용 구성요소 배치</a:t>
             </a:r>
+            <a:endParaRPr lang="ko-KR" altLang="en-US"/>
           </a:p>
         </p:txBody>
       </p:sp>
       <p:sp>
         <p:nvSpPr>
-          <p:cNvPr id="9" name="텍스트 개체 틀 7">
-            <a:extLst>
-              <a:ext uri="{FF2B5EF4-FFF2-40B4-BE49-F238E27FC236}">
-                <a16:creationId xmlns:a16="http://schemas.microsoft.com/office/drawing/2014/main" id="{7F75F380-C0E6-45A1-A0BB-0FFFC339A5F2}"/>
-              </a:ext>
-            </a:extLst>
-          </p:cNvPr>
-          <p:cNvSpPr txBox="1">
-            <a:spLocks/>
-          </p:cNvSpPr>
+          <p:cNvPr id="9" name="텍스트 개체 틀 7"/>
+          <p:cNvSpPr txBox="1"/>
           <p:nvPr/>
         </p:nvSpPr>
         <p:spPr>
@@ -9958,10 +9913,10 @@
                 <a:spcPts val="1000"/>
               </a:spcBef>
               <a:buClr>
-                <a:srgbClr val="2AB9C7"/>
+                <a:srgbClr val="2ab9c7"/>
               </a:buClr>
               <a:buSzPct val="80000"/>
-              <a:buFont typeface="Wingdings" panose="05000000000000000000" pitchFamily="2" charset="2"/>
+              <a:buFont typeface="Wingdings"/>
               <a:buChar char="l"/>
               <a:defRPr sz="1600" kern="1200">
                 <a:solidFill>
@@ -9979,7 +9934,7 @@
               <a:spcBef>
                 <a:spcPts val="500"/>
               </a:spcBef>
-              <a:buFont typeface="Arial" panose="020B0604020202020204" pitchFamily="34" charset="0"/>
+              <a:buFont typeface="Arial"/>
               <a:buNone/>
               <a:defRPr sz="1400" kern="1200">
                 <a:solidFill>
@@ -9997,7 +9952,7 @@
               <a:spcBef>
                 <a:spcPts val="500"/>
               </a:spcBef>
-              <a:buFont typeface="Arial" panose="020B0604020202020204" pitchFamily="34" charset="0"/>
+              <a:buFont typeface="Arial"/>
               <a:buNone/>
               <a:defRPr sz="1200" kern="1200">
                 <a:solidFill>
@@ -10015,7 +9970,7 @@
               <a:spcBef>
                 <a:spcPts val="500"/>
               </a:spcBef>
-              <a:buFont typeface="Arial" panose="020B0604020202020204" pitchFamily="34" charset="0"/>
+              <a:buFont typeface="Arial"/>
               <a:buNone/>
               <a:defRPr sz="1000" kern="1200">
                 <a:solidFill>
@@ -10033,7 +9988,7 @@
               <a:spcBef>
                 <a:spcPts val="500"/>
               </a:spcBef>
-              <a:buFont typeface="Arial" panose="020B0604020202020204" pitchFamily="34" charset="0"/>
+              <a:buFont typeface="Arial"/>
               <a:buNone/>
               <a:defRPr sz="1000" kern="1200">
                 <a:solidFill>
@@ -10051,7 +10006,7 @@
               <a:spcBef>
                 <a:spcPts val="500"/>
               </a:spcBef>
-              <a:buFont typeface="Arial" panose="020B0604020202020204" pitchFamily="34" charset="0"/>
+              <a:buFont typeface="Arial"/>
               <a:buNone/>
               <a:defRPr sz="1000" kern="1200">
                 <a:solidFill>
@@ -10069,7 +10024,7 @@
               <a:spcBef>
                 <a:spcPts val="500"/>
               </a:spcBef>
-              <a:buFont typeface="Arial" panose="020B0604020202020204" pitchFamily="34" charset="0"/>
+              <a:buFont typeface="Arial"/>
               <a:buNone/>
               <a:defRPr sz="1000" kern="1200">
                 <a:solidFill>
@@ -10087,7 +10042,7 @@
               <a:spcBef>
                 <a:spcPts val="500"/>
               </a:spcBef>
-              <a:buFont typeface="Arial" panose="020B0604020202020204" pitchFamily="34" charset="0"/>
+              <a:buFont typeface="Arial"/>
               <a:buNone/>
               <a:defRPr sz="1000" kern="1200">
                 <a:solidFill>
@@ -10105,7 +10060,7 @@
               <a:spcBef>
                 <a:spcPts val="500"/>
               </a:spcBef>
-              <a:buFont typeface="Arial" panose="020B0604020202020204" pitchFamily="34" charset="0"/>
+              <a:buFont typeface="Arial"/>
               <a:buNone/>
               <a:defRPr sz="1000" kern="1200">
                 <a:solidFill>
@@ -10118,31 +10073,28 @@
             </a:lvl9pPr>
           </a:lstStyle>
           <a:p>
-            <a:r>
-              <a:rPr lang="ko-KR" altLang="en-US" dirty="0"/>
+            <a:pPr lvl="0">
+              <a:defRPr lang="ko-KR" altLang="en-US"/>
+            </a:pPr>
+            <a:r>
+              <a:rPr lang="ko-KR" altLang="en-US"/>
               <a:t>페이지명 </a:t>
             </a:r>
             <a:r>
-              <a:rPr lang="en-US" altLang="ko-KR" dirty="0"/>
+              <a:rPr lang="en-US" altLang="ko-KR"/>
               <a:t>: </a:t>
             </a:r>
             <a:r>
-              <a:rPr lang="ko-KR" altLang="en-US" dirty="0" err="1"/>
+              <a:rPr lang="ko-KR" altLang="en-US"/>
               <a:t>메인페이지</a:t>
             </a:r>
-            <a:endParaRPr lang="ko-KR" altLang="en-US" dirty="0"/>
+            <a:endParaRPr lang="ko-KR" altLang="en-US"/>
           </a:p>
         </p:txBody>
       </p:sp>
       <p:sp>
         <p:nvSpPr>
-          <p:cNvPr id="10" name="슬라이드 번호 개체 틀 3">
-            <a:extLst>
-              <a:ext uri="{FF2B5EF4-FFF2-40B4-BE49-F238E27FC236}">
-                <a16:creationId xmlns:a16="http://schemas.microsoft.com/office/drawing/2014/main" id="{F2D5D29C-6727-4527-AADA-B59895CE75E3}"/>
-              </a:ext>
-            </a:extLst>
-          </p:cNvPr>
+          <p:cNvPr id="10" name="슬라이드 번호 개체 틀 3"/>
           <p:cNvSpPr>
             <a:spLocks noGrp="1"/>
           </p:cNvSpPr>
@@ -10173,30 +10125,31 @@
             </a:lvl1pPr>
           </a:lstStyle>
           <a:p>
+            <a:pPr lvl="0">
+              <a:defRPr lang="ko-KR" altLang="en-US"/>
+            </a:pPr>
             <a:fld id="{418EBCF5-7C0D-4452-BD99-4798E1600F69}" type="slidenum">
-              <a:rPr lang="ko-KR" altLang="en-US" sz="1100"/>
-              <a:pPr/>
-              <a:t>16</a:t>
+              <a:rPr lang="en-US" altLang="en-US" sz="1100"/>
+              <a:pPr lvl="0">
+                <a:defRPr lang="ko-KR" altLang="en-US"/>
+              </a:pPr>
+              <a:t>17</a:t>
             </a:fld>
-            <a:endParaRPr lang="ko-KR" altLang="en-US" sz="1100"/>
+            <a:endParaRPr lang="en-US" altLang="en-US" sz="1100"/>
           </a:p>
         </p:txBody>
       </p:sp>
     </p:spTree>
-    <p:extLst>
-      <p:ext uri="{BB962C8B-B14F-4D97-AF65-F5344CB8AC3E}">
-        <p14:creationId xmlns:p14="http://schemas.microsoft.com/office/powerpoint/2010/main" val="3909138015"/>
-      </p:ext>
-    </p:extLst>
   </p:cSld>
   <p:clrMapOvr>
     <a:masterClrMapping/>
   </p:clrMapOvr>
+  <p:transition xmlns:mc="http://schemas.openxmlformats.org/markup-compatibility/2006" xmlns:hp="http://schemas.haansoft.com/office/presentation/8.0" mc:Ignorable="hp" hp:hslDur="500"/>
 </p:sld>
 </file>
 
-<file path=ppt/slides/slide17.xml><?xml version="1.0" encoding="utf-8"?>
-<p:sld xmlns:a="http://schemas.openxmlformats.org/drawingml/2006/main" xmlns:r="http://schemas.openxmlformats.org/officeDocument/2006/relationships" xmlns:p="http://schemas.openxmlformats.org/presentationml/2006/main">
+<file path=ppt/slides/slide18.xml><?xml version="1.0" encoding="utf-8"?>
+<p:sld xmlns:r="http://schemas.openxmlformats.org/officeDocument/2006/relationships" xmlns:c="http://schemas.openxmlformats.org/drawingml/2006/chart" xmlns:a="http://schemas.openxmlformats.org/drawingml/2006/main" xmlns:dgm="http://schemas.openxmlformats.org/drawingml/2006/diagram" xmlns:dsp="http://schemas.microsoft.com/office/drawing/2008/diagram" xmlns:p="http://schemas.openxmlformats.org/presentationml/2006/main">
   <p:cSld>
     <p:spTree>
       <p:nvGrpSpPr>
@@ -10214,18 +10167,12 @@
       </p:grpSpPr>
       <p:sp>
         <p:nvSpPr>
-          <p:cNvPr id="2" name="제목 1">
-            <a:extLst>
-              <a:ext uri="{FF2B5EF4-FFF2-40B4-BE49-F238E27FC236}">
-                <a16:creationId xmlns:a16="http://schemas.microsoft.com/office/drawing/2014/main" id="{1772E769-8912-421D-8154-14DF4C253CCD}"/>
-              </a:ext>
-            </a:extLst>
-          </p:cNvPr>
+          <p:cNvPr id="2" name="제목 1"/>
           <p:cNvSpPr>
             <a:spLocks noGrp="1"/>
           </p:cNvSpPr>
           <p:nvPr>
-            <p:ph type="ctrTitle"/>
+            <p:ph type="ctrTitle" idx="0"/>
           </p:nvPr>
         </p:nvSpPr>
         <p:spPr/>
@@ -10234,84 +10181,78 @@
           <a:lstStyle/>
           <a:p>
             <a:pPr>
-              <a:defRPr/>
+              <a:defRPr lang="ko-KR"/>
             </a:pPr>
             <a:r>
-              <a:rPr lang="en-US" altLang="ko-KR" b="1" dirty="0">
-                <a:solidFill>
-                  <a:srgbClr val="2AB9C7"/>
-                </a:solidFill>
-                <a:latin typeface="맑은 고딕" panose="020B0503020000020004" pitchFamily="50" charset="-127"/>
-                <a:ea typeface="맑은 고딕" panose="020B0503020000020004" pitchFamily="50" charset="-127"/>
+              <a:rPr lang="en-US" altLang="ko-KR" b="1">
+                <a:solidFill>
+                  <a:srgbClr val="2ab9c7"/>
+                </a:solidFill>
+                <a:latin typeface="맑은 고딕"/>
+                <a:ea typeface="맑은 고딕"/>
               </a:rPr>
               <a:t>5.</a:t>
             </a:r>
             <a:r>
-              <a:rPr lang="ko-KR" altLang="en-US" b="1" dirty="0">
-                <a:solidFill>
-                  <a:srgbClr val="2AB9C7"/>
-                </a:solidFill>
-                <a:latin typeface="맑은 고딕" panose="020B0503020000020004" pitchFamily="50" charset="-127"/>
-                <a:ea typeface="맑은 고딕" panose="020B0503020000020004" pitchFamily="50" charset="-127"/>
+              <a:rPr lang="ko-KR" altLang="en-US" b="1">
+                <a:solidFill>
+                  <a:srgbClr val="2ab9c7"/>
+                </a:solidFill>
+                <a:latin typeface="맑은 고딕"/>
+                <a:ea typeface="맑은 고딕"/>
               </a:rPr>
               <a:t> 웹페이지 구조 </a:t>
             </a:r>
             <a:r>
-              <a:rPr lang="en-US" altLang="ko-KR" b="1" dirty="0">
-                <a:solidFill>
-                  <a:srgbClr val="2AB9C7"/>
-                </a:solidFill>
-                <a:latin typeface="맑은 고딕" panose="020B0503020000020004" pitchFamily="50" charset="-127"/>
-                <a:ea typeface="맑은 고딕" panose="020B0503020000020004" pitchFamily="50" charset="-127"/>
+              <a:rPr lang="en-US" altLang="ko-KR" b="1">
+                <a:solidFill>
+                  <a:srgbClr val="2ab9c7"/>
+                </a:solidFill>
+                <a:latin typeface="맑은 고딕"/>
+                <a:ea typeface="맑은 고딕"/>
               </a:rPr>
               <a:t>(</a:t>
             </a:r>
             <a:r>
-              <a:rPr lang="ko-KR" altLang="en-US" dirty="0">
-                <a:latin typeface="맑은 고딕" panose="020B0503020000020004" pitchFamily="50" charset="-127"/>
-                <a:ea typeface="맑은 고딕" panose="020B0503020000020004" pitchFamily="50" charset="-127"/>
+              <a:rPr lang="ko-KR" altLang="en-US">
+                <a:latin typeface="맑은 고딕"/>
+                <a:ea typeface="맑은 고딕"/>
               </a:rPr>
               <a:t>서브</a:t>
             </a:r>
             <a:r>
-              <a:rPr lang="ko-KR" altLang="en-US" b="1" dirty="0">
-                <a:solidFill>
-                  <a:srgbClr val="2AB9C7"/>
-                </a:solidFill>
-                <a:latin typeface="맑은 고딕" panose="020B0503020000020004" pitchFamily="50" charset="-127"/>
-                <a:ea typeface="맑은 고딕" panose="020B0503020000020004" pitchFamily="50" charset="-127"/>
+              <a:rPr lang="ko-KR" altLang="en-US" b="1">
+                <a:solidFill>
+                  <a:srgbClr val="2ab9c7"/>
+                </a:solidFill>
+                <a:latin typeface="맑은 고딕"/>
+                <a:ea typeface="맑은 고딕"/>
               </a:rPr>
               <a:t> 페이지 구성</a:t>
             </a:r>
             <a:r>
-              <a:rPr lang="en-US" altLang="ko-KR" b="1" dirty="0">
-                <a:solidFill>
-                  <a:srgbClr val="2AB9C7"/>
-                </a:solidFill>
-                <a:latin typeface="맑은 고딕" panose="020B0503020000020004" pitchFamily="50" charset="-127"/>
-                <a:ea typeface="맑은 고딕" panose="020B0503020000020004" pitchFamily="50" charset="-127"/>
+              <a:rPr lang="en-US" altLang="ko-KR" b="1">
+                <a:solidFill>
+                  <a:srgbClr val="2ab9c7"/>
+                </a:solidFill>
+                <a:latin typeface="맑은 고딕"/>
+                <a:ea typeface="맑은 고딕"/>
               </a:rPr>
               <a:t>-3)</a:t>
             </a:r>
-            <a:endParaRPr lang="ko-KR" altLang="en-US" b="1" dirty="0">
+            <a:endParaRPr lang="ko-KR" altLang="en-US" b="1">
               <a:solidFill>
-                <a:srgbClr val="2AB9C7"/>
+                <a:srgbClr val="2ab9c7"/>
               </a:solidFill>
-              <a:latin typeface="맑은 고딕" panose="020B0503020000020004" pitchFamily="50" charset="-127"/>
-              <a:ea typeface="맑은 고딕" panose="020B0503020000020004" pitchFamily="50" charset="-127"/>
+              <a:latin typeface="맑은 고딕"/>
+              <a:ea typeface="맑은 고딕"/>
             </a:endParaRPr>
           </a:p>
         </p:txBody>
       </p:sp>
       <p:sp>
         <p:nvSpPr>
-          <p:cNvPr id="4" name="부제목 3">
-            <a:extLst>
-              <a:ext uri="{FF2B5EF4-FFF2-40B4-BE49-F238E27FC236}">
-                <a16:creationId xmlns:a16="http://schemas.microsoft.com/office/drawing/2014/main" id="{F8129F98-56B5-4E0B-A242-C6F75CE43D38}"/>
-              </a:ext>
-            </a:extLst>
-          </p:cNvPr>
+          <p:cNvPr id="4" name="부제목 3"/>
           <p:cNvSpPr>
             <a:spLocks noGrp="1"/>
           </p:cNvSpPr>
@@ -10325,104 +10266,83 @@
           <a:lstStyle/>
           <a:p>
             <a:pPr>
-              <a:defRPr/>
+              <a:defRPr lang="ko-KR"/>
             </a:pPr>
             <a:r>
-              <a:rPr lang="ko-KR" altLang="en-US" dirty="0">
+              <a:rPr lang="ko-KR" altLang="en-US">
                 <a:solidFill>
                   <a:prstClr val="white">
                     <a:lumMod val="50000"/>
                   </a:prstClr>
                 </a:solidFill>
-                <a:latin typeface="맑은 고딕" panose="020B0503020000020004" pitchFamily="50" charset="-127"/>
-                <a:ea typeface="맑은 고딕" panose="020B0503020000020004" pitchFamily="50" charset="-127"/>
+                <a:latin typeface="맑은 고딕"/>
+                <a:ea typeface="맑은 고딕"/>
               </a:rPr>
               <a:t>0</a:t>
             </a:r>
             <a:r>
-              <a:rPr lang="en-US" altLang="ko-KR" dirty="0">
+              <a:rPr lang="en-US" altLang="ko-KR">
                 <a:solidFill>
                   <a:prstClr val="white">
                     <a:lumMod val="50000"/>
                   </a:prstClr>
                 </a:solidFill>
-                <a:latin typeface="맑은 고딕" panose="020B0503020000020004" pitchFamily="50" charset="-127"/>
-                <a:ea typeface="맑은 고딕" panose="020B0503020000020004" pitchFamily="50" charset="-127"/>
+                <a:latin typeface="맑은 고딕"/>
+                <a:ea typeface="맑은 고딕"/>
               </a:rPr>
               <a:t>5</a:t>
             </a:r>
             <a:r>
-              <a:rPr lang="ko-KR" altLang="en-US" dirty="0">
+              <a:rPr lang="ko-KR" altLang="en-US">
                 <a:solidFill>
                   <a:prstClr val="white">
                     <a:lumMod val="50000"/>
                   </a:prstClr>
                 </a:solidFill>
-                <a:latin typeface="맑은 고딕" panose="020B0503020000020004" pitchFamily="50" charset="-127"/>
-                <a:ea typeface="맑은 고딕" panose="020B0503020000020004" pitchFamily="50" charset="-127"/>
+                <a:latin typeface="맑은 고딕"/>
+                <a:ea typeface="맑은 고딕"/>
               </a:rPr>
               <a:t>-</a:t>
             </a:r>
             <a:r>
-              <a:rPr lang="en-US" altLang="ko-KR" dirty="0">
+              <a:rPr lang="en-US" altLang="ko-KR">
                 <a:solidFill>
                   <a:prstClr val="white">
                     <a:lumMod val="50000"/>
                   </a:prstClr>
                 </a:solidFill>
-                <a:latin typeface="맑은 고딕" panose="020B0503020000020004" pitchFamily="50" charset="-127"/>
-                <a:ea typeface="맑은 고딕" panose="020B0503020000020004" pitchFamily="50" charset="-127"/>
+                <a:latin typeface="맑은 고딕"/>
+                <a:ea typeface="맑은 고딕"/>
               </a:rPr>
               <a:t>2</a:t>
             </a:r>
             <a:r>
-              <a:rPr lang="ko-KR" altLang="en-US" dirty="0">
+              <a:rPr lang="ko-KR" altLang="en-US">
                 <a:solidFill>
                   <a:prstClr val="white">
                     <a:lumMod val="50000"/>
                   </a:prstClr>
                 </a:solidFill>
-                <a:latin typeface="맑은 고딕" panose="020B0503020000020004" pitchFamily="50" charset="-127"/>
-                <a:ea typeface="맑은 고딕" panose="020B0503020000020004" pitchFamily="50" charset="-127"/>
+                <a:latin typeface="맑은 고딕"/>
+                <a:ea typeface="맑은 고딕"/>
               </a:rPr>
-              <a:t> </a:t>
-            </a:r>
-            <a:r>
-              <a:rPr lang="ko-KR" altLang="en-US" dirty="0" err="1">
-                <a:solidFill>
-                  <a:prstClr val="white">
-                    <a:lumMod val="50000"/>
-                  </a:prstClr>
-                </a:solidFill>
-                <a:latin typeface="맑은 고딕" panose="020B0503020000020004" pitchFamily="50" charset="-127"/>
-                <a:ea typeface="맑은 고딕" panose="020B0503020000020004" pitchFamily="50" charset="-127"/>
-              </a:rPr>
-              <a:t>메인페이지</a:t>
-            </a:r>
-            <a:r>
-              <a:rPr lang="ko-KR" altLang="en-US" dirty="0">
-                <a:solidFill>
-                  <a:prstClr val="white">
-                    <a:lumMod val="50000"/>
-                  </a:prstClr>
-                </a:solidFill>
-                <a:latin typeface="맑은 고딕" panose="020B0503020000020004" pitchFamily="50" charset="-127"/>
-                <a:ea typeface="맑은 고딕" panose="020B0503020000020004" pitchFamily="50" charset="-127"/>
-              </a:rPr>
-              <a:t> 구조화 처리 </a:t>
-            </a:r>
+              <a:t> 메인페이지 구조화 처리 </a:t>
+            </a:r>
+            <a:endParaRPr lang="ko-KR" altLang="en-US">
+              <a:solidFill>
+                <a:prstClr val="white">
+                  <a:lumMod val="50000"/>
+                </a:prstClr>
+              </a:solidFill>
+              <a:latin typeface="맑은 고딕"/>
+              <a:ea typeface="맑은 고딕"/>
+            </a:endParaRPr>
           </a:p>
         </p:txBody>
       </p:sp>
       <p:sp>
         <p:nvSpPr>
-          <p:cNvPr id="8" name="텍스트 개체 틀 7">
-            <a:extLst>
-              <a:ext uri="{FF2B5EF4-FFF2-40B4-BE49-F238E27FC236}">
-                <a16:creationId xmlns:a16="http://schemas.microsoft.com/office/drawing/2014/main" id="{2E208BD1-DA3A-440C-BAA8-8A3A24DA24F6}"/>
-              </a:ext>
-            </a:extLst>
-          </p:cNvPr>
+          <p:cNvPr id="8" name="텍스트 개체 틀 7"/>
           <p:cNvSpPr>
             <a:spLocks noGrp="1"/>
           </p:cNvSpPr>
@@ -10435,30 +10355,25 @@
           <a:bodyPr/>
           <a:lstStyle/>
           <a:p>
-            <a:r>
-              <a:rPr lang="ko-KR" altLang="en-US" dirty="0"/>
+            <a:pPr lvl="0">
+              <a:defRPr lang="ko-KR" altLang="en-US"/>
+            </a:pPr>
+            <a:r>
+              <a:rPr lang="ko-KR" altLang="en-US"/>
               <a:t>페이지 구성에 따른 레이아웃 구성을 위한 구조 정리 </a:t>
             </a:r>
             <a:r>
-              <a:rPr lang="en-US" altLang="ko-KR" dirty="0"/>
+              <a:rPr lang="en-US" altLang="ko-KR"/>
               <a:t>2</a:t>
             </a:r>
-            <a:endParaRPr lang="ko-KR" altLang="en-US" dirty="0"/>
+            <a:endParaRPr lang="ko-KR" altLang="en-US"/>
           </a:p>
         </p:txBody>
       </p:sp>
       <p:sp>
         <p:nvSpPr>
-          <p:cNvPr id="13" name="텍스트 개체 틀 7">
-            <a:extLst>
-              <a:ext uri="{FF2B5EF4-FFF2-40B4-BE49-F238E27FC236}">
-                <a16:creationId xmlns:a16="http://schemas.microsoft.com/office/drawing/2014/main" id="{E4712E7B-275C-4E91-B4F6-F77FF3DFC65F}"/>
-              </a:ext>
-            </a:extLst>
-          </p:cNvPr>
-          <p:cNvSpPr txBox="1">
-            <a:spLocks/>
-          </p:cNvSpPr>
+          <p:cNvPr id="13" name="텍스트 개체 틀 7"/>
+          <p:cNvSpPr txBox="1"/>
           <p:nvPr/>
         </p:nvSpPr>
         <p:spPr>
@@ -10481,10 +10396,10 @@
                 <a:spcPts val="1000"/>
               </a:spcBef>
               <a:buClr>
-                <a:srgbClr val="2AB9C7"/>
+                <a:srgbClr val="2ab9c7"/>
               </a:buClr>
               <a:buSzPct val="80000"/>
-              <a:buFont typeface="Wingdings" panose="05000000000000000000" pitchFamily="2" charset="2"/>
+              <a:buFont typeface="Wingdings"/>
               <a:buChar char="l"/>
               <a:defRPr sz="1600" kern="1200">
                 <a:solidFill>
@@ -10502,7 +10417,7 @@
               <a:spcBef>
                 <a:spcPts val="500"/>
               </a:spcBef>
-              <a:buFont typeface="Arial" panose="020B0604020202020204" pitchFamily="34" charset="0"/>
+              <a:buFont typeface="Arial"/>
               <a:buNone/>
               <a:defRPr sz="1400" kern="1200">
                 <a:solidFill>
@@ -10520,7 +10435,7 @@
               <a:spcBef>
                 <a:spcPts val="500"/>
               </a:spcBef>
-              <a:buFont typeface="Arial" panose="020B0604020202020204" pitchFamily="34" charset="0"/>
+              <a:buFont typeface="Arial"/>
               <a:buNone/>
               <a:defRPr sz="1200" kern="1200">
                 <a:solidFill>
@@ -10538,7 +10453,7 @@
               <a:spcBef>
                 <a:spcPts val="500"/>
               </a:spcBef>
-              <a:buFont typeface="Arial" panose="020B0604020202020204" pitchFamily="34" charset="0"/>
+              <a:buFont typeface="Arial"/>
               <a:buNone/>
               <a:defRPr sz="1000" kern="1200">
                 <a:solidFill>
@@ -10556,7 +10471,7 @@
               <a:spcBef>
                 <a:spcPts val="500"/>
               </a:spcBef>
-              <a:buFont typeface="Arial" panose="020B0604020202020204" pitchFamily="34" charset="0"/>
+              <a:buFont typeface="Arial"/>
               <a:buNone/>
               <a:defRPr sz="1000" kern="1200">
                 <a:solidFill>
@@ -10574,7 +10489,7 @@
               <a:spcBef>
                 <a:spcPts val="500"/>
               </a:spcBef>
-              <a:buFont typeface="Arial" panose="020B0604020202020204" pitchFamily="34" charset="0"/>
+              <a:buFont typeface="Arial"/>
               <a:buNone/>
               <a:defRPr sz="1000" kern="1200">
                 <a:solidFill>
@@ -10592,7 +10507,7 @@
               <a:spcBef>
                 <a:spcPts val="500"/>
               </a:spcBef>
-              <a:buFont typeface="Arial" panose="020B0604020202020204" pitchFamily="34" charset="0"/>
+              <a:buFont typeface="Arial"/>
               <a:buNone/>
               <a:defRPr sz="1000" kern="1200">
                 <a:solidFill>
@@ -10610,7 +10525,7 @@
               <a:spcBef>
                 <a:spcPts val="500"/>
               </a:spcBef>
-              <a:buFont typeface="Arial" panose="020B0604020202020204" pitchFamily="34" charset="0"/>
+              <a:buFont typeface="Arial"/>
               <a:buNone/>
               <a:defRPr sz="1000" kern="1200">
                 <a:solidFill>
@@ -10628,7 +10543,7 @@
               <a:spcBef>
                 <a:spcPts val="500"/>
               </a:spcBef>
-              <a:buFont typeface="Arial" panose="020B0604020202020204" pitchFamily="34" charset="0"/>
+              <a:buFont typeface="Arial"/>
               <a:buNone/>
               <a:defRPr sz="1000" kern="1200">
                 <a:solidFill>
@@ -10641,29 +10556,25 @@
             </a:lvl9pPr>
           </a:lstStyle>
           <a:p>
-            <a:r>
-              <a:rPr lang="en-US" altLang="ko-KR" dirty="0"/>
+            <a:pPr lvl="0">
+              <a:defRPr lang="ko-KR" altLang="en-US"/>
+            </a:pPr>
+            <a:r>
+              <a:rPr lang="en-US" altLang="ko-KR"/>
               <a:t>git-mind</a:t>
             </a:r>
             <a:r>
-              <a:rPr lang="ko-KR" altLang="en-US" dirty="0"/>
+              <a:rPr lang="ko-KR" altLang="en-US"/>
               <a:t> 활용 내용 구성요소 배치</a:t>
             </a:r>
+            <a:endParaRPr lang="ko-KR" altLang="en-US"/>
           </a:p>
         </p:txBody>
       </p:sp>
       <p:sp>
         <p:nvSpPr>
-          <p:cNvPr id="7" name="텍스트 개체 틀 7">
-            <a:extLst>
-              <a:ext uri="{FF2B5EF4-FFF2-40B4-BE49-F238E27FC236}">
-                <a16:creationId xmlns:a16="http://schemas.microsoft.com/office/drawing/2014/main" id="{74386ABC-1706-44B6-A06D-8CAEF21B52F4}"/>
-              </a:ext>
-            </a:extLst>
-          </p:cNvPr>
-          <p:cNvSpPr txBox="1">
-            <a:spLocks/>
-          </p:cNvSpPr>
+          <p:cNvPr id="7" name="텍스트 개체 틀 7"/>
+          <p:cNvSpPr txBox="1"/>
           <p:nvPr/>
         </p:nvSpPr>
         <p:spPr>
@@ -10686,10 +10597,10 @@
                 <a:spcPts val="1000"/>
               </a:spcBef>
               <a:buClr>
-                <a:srgbClr val="2AB9C7"/>
+                <a:srgbClr val="2ab9c7"/>
               </a:buClr>
               <a:buSzPct val="80000"/>
-              <a:buFont typeface="Wingdings" panose="05000000000000000000" pitchFamily="2" charset="2"/>
+              <a:buFont typeface="Wingdings"/>
               <a:buChar char="l"/>
               <a:defRPr sz="1600" kern="1200">
                 <a:solidFill>
@@ -10707,7 +10618,7 @@
               <a:spcBef>
                 <a:spcPts val="500"/>
               </a:spcBef>
-              <a:buFont typeface="Arial" panose="020B0604020202020204" pitchFamily="34" charset="0"/>
+              <a:buFont typeface="Arial"/>
               <a:buNone/>
               <a:defRPr sz="1400" kern="1200">
                 <a:solidFill>
@@ -10725,7 +10636,7 @@
               <a:spcBef>
                 <a:spcPts val="500"/>
               </a:spcBef>
-              <a:buFont typeface="Arial" panose="020B0604020202020204" pitchFamily="34" charset="0"/>
+              <a:buFont typeface="Arial"/>
               <a:buNone/>
               <a:defRPr sz="1200" kern="1200">
                 <a:solidFill>
@@ -10743,7 +10654,7 @@
               <a:spcBef>
                 <a:spcPts val="500"/>
               </a:spcBef>
-              <a:buFont typeface="Arial" panose="020B0604020202020204" pitchFamily="34" charset="0"/>
+              <a:buFont typeface="Arial"/>
               <a:buNone/>
               <a:defRPr sz="1000" kern="1200">
                 <a:solidFill>
@@ -10761,7 +10672,7 @@
               <a:spcBef>
                 <a:spcPts val="500"/>
               </a:spcBef>
-              <a:buFont typeface="Arial" panose="020B0604020202020204" pitchFamily="34" charset="0"/>
+              <a:buFont typeface="Arial"/>
               <a:buNone/>
               <a:defRPr sz="1000" kern="1200">
                 <a:solidFill>
@@ -10779,7 +10690,7 @@
               <a:spcBef>
                 <a:spcPts val="500"/>
               </a:spcBef>
-              <a:buFont typeface="Arial" panose="020B0604020202020204" pitchFamily="34" charset="0"/>
+              <a:buFont typeface="Arial"/>
               <a:buNone/>
               <a:defRPr sz="1000" kern="1200">
                 <a:solidFill>
@@ -10797,7 +10708,7 @@
               <a:spcBef>
                 <a:spcPts val="500"/>
               </a:spcBef>
-              <a:buFont typeface="Arial" panose="020B0604020202020204" pitchFamily="34" charset="0"/>
+              <a:buFont typeface="Arial"/>
               <a:buNone/>
               <a:defRPr sz="1000" kern="1200">
                 <a:solidFill>
@@ -10815,7 +10726,7 @@
               <a:spcBef>
                 <a:spcPts val="500"/>
               </a:spcBef>
-              <a:buFont typeface="Arial" panose="020B0604020202020204" pitchFamily="34" charset="0"/>
+              <a:buFont typeface="Arial"/>
               <a:buNone/>
               <a:defRPr sz="1000" kern="1200">
                 <a:solidFill>
@@ -10833,7 +10744,7 @@
               <a:spcBef>
                 <a:spcPts val="500"/>
               </a:spcBef>
-              <a:buFont typeface="Arial" panose="020B0604020202020204" pitchFamily="34" charset="0"/>
+              <a:buFont typeface="Arial"/>
               <a:buNone/>
               <a:defRPr sz="1000" kern="1200">
                 <a:solidFill>
@@ -10846,27 +10757,32 @@
             </a:lvl9pPr>
           </a:lstStyle>
           <a:p>
-            <a:r>
-              <a:rPr lang="ko-KR" altLang="en-US" dirty="0"/>
+            <a:pPr lvl="0">
+              <a:defRPr lang="ko-KR" altLang="en-US"/>
+            </a:pPr>
+            <a:r>
+              <a:rPr lang="ko-KR" altLang="en-US"/>
               <a:t>페이지 명 </a:t>
             </a:r>
             <a:r>
-              <a:rPr lang="en-US" altLang="ko-KR" dirty="0"/>
+              <a:rPr lang="en-US" altLang="ko-KR"/>
               <a:t>: </a:t>
             </a:r>
-            <a:endParaRPr lang="ko-KR" altLang="en-US" dirty="0"/>
+            <a:r>
+              <a:rPr lang="ko-KR" altLang="en-US"/>
+              <a:t> </a:t>
+            </a:r>
+            <a:r>
+              <a:rPr lang="en-US" altLang="ko-KR"/>
+              <a:t>NO CARBON</a:t>
+            </a:r>
+            <a:endParaRPr lang="en-US" altLang="ko-KR"/>
           </a:p>
         </p:txBody>
       </p:sp>
       <p:sp>
         <p:nvSpPr>
-          <p:cNvPr id="9" name="슬라이드 번호 개체 틀 3">
-            <a:extLst>
-              <a:ext uri="{FF2B5EF4-FFF2-40B4-BE49-F238E27FC236}">
-                <a16:creationId xmlns:a16="http://schemas.microsoft.com/office/drawing/2014/main" id="{C5CA1C03-473D-4DA8-B38E-D3428CEBE2D9}"/>
-              </a:ext>
-            </a:extLst>
-          </p:cNvPr>
+          <p:cNvPr id="9" name="슬라이드 번호 개체 틀 3"/>
           <p:cNvSpPr>
             <a:spLocks noGrp="1"/>
           </p:cNvSpPr>
@@ -10897,30 +10813,55 @@
             </a:lvl1pPr>
           </a:lstStyle>
           <a:p>
+            <a:pPr lvl="0">
+              <a:defRPr lang="ko-KR" altLang="en-US"/>
+            </a:pPr>
             <a:fld id="{418EBCF5-7C0D-4452-BD99-4798E1600F69}" type="slidenum">
-              <a:rPr lang="ko-KR" altLang="en-US" sz="1100"/>
-              <a:pPr/>
-              <a:t>17</a:t>
+              <a:rPr lang="en-US" altLang="en-US" sz="1100"/>
+              <a:pPr lvl="0">
+                <a:defRPr lang="ko-KR" altLang="en-US"/>
+              </a:pPr>
+              <a:t>18</a:t>
             </a:fld>
-            <a:endParaRPr lang="ko-KR" altLang="en-US" sz="1100"/>
+            <a:endParaRPr lang="en-US" altLang="en-US" sz="1100"/>
           </a:p>
         </p:txBody>
       </p:sp>
+      <p:pic>
+        <p:nvPicPr>
+          <p:cNvPr id="14" name=""/>
+          <p:cNvPicPr>
+            <a:picLocks noChangeAspect="1"/>
+          </p:cNvPicPr>
+          <p:nvPr/>
+        </p:nvPicPr>
+        <p:blipFill rotWithShape="1">
+          <a:blip r:embed="rId2"/>
+          <a:stretch>
+            <a:fillRect/>
+          </a:stretch>
+        </p:blipFill>
+        <p:spPr>
+          <a:xfrm>
+            <a:off x="2868613" y="2454274"/>
+            <a:ext cx="6424304" cy="3608388"/>
+          </a:xfrm>
+          <a:prstGeom prst="rect">
+            <a:avLst/>
+          </a:prstGeom>
+        </p:spPr>
+      </p:pic>
     </p:spTree>
-    <p:extLst>
-      <p:ext uri="{BB962C8B-B14F-4D97-AF65-F5344CB8AC3E}">
-        <p14:creationId xmlns:p14="http://schemas.microsoft.com/office/powerpoint/2010/main" val="3115515051"/>
-      </p:ext>
-    </p:extLst>
   </p:cSld>
   <p:clrMapOvr>
     <a:masterClrMapping/>
   </p:clrMapOvr>
+  <p:transition xmlns:mc="http://schemas.openxmlformats.org/markup-compatibility/2006" xmlns:hp="http://schemas.haansoft.com/office/presentation/8.0" mc:Ignorable="hp" hp:hslDur="500"/>
 </p:sld>
 </file>
 
-<file path=ppt/slides/slide18.xml><?xml version="1.0" encoding="utf-8"?>
-<p:sld xmlns:a="http://schemas.openxmlformats.org/drawingml/2006/main" xmlns:r="http://schemas.openxmlformats.org/officeDocument/2006/relationships" xmlns:p="http://schemas.openxmlformats.org/presentationml/2006/main">
+<file path=ppt/slides/slide19.xml><?xml version="1.0" encoding="utf-8"?>
+<p:sld xmlns:r="http://schemas.openxmlformats.org/officeDocument/2006/relationships" xmlns:c="http://schemas.openxmlformats.org/drawingml/2006/chart" xmlns:a="http://schemas.openxmlformats.org/drawingml/2006/main" xmlns:dgm="http://schemas.openxmlformats.org/drawingml/2006/diagram" xmlns:dsp="http://schemas.microsoft.com/office/drawing/2008/diagram" xmlns:p="http://schemas.openxmlformats.org/presentationml/2006/main">
   <p:cSld>
     <p:spTree>
       <p:nvGrpSpPr>
@@ -10938,13 +10879,7 @@
       </p:grpSpPr>
       <p:sp>
         <p:nvSpPr>
-          <p:cNvPr id="8" name="제목 7">
-            <a:extLst>
-              <a:ext uri="{FF2B5EF4-FFF2-40B4-BE49-F238E27FC236}">
-                <a16:creationId xmlns:a16="http://schemas.microsoft.com/office/drawing/2014/main" id="{6A45E90B-5A18-434F-A29D-960246C96273}"/>
-              </a:ext>
-            </a:extLst>
-          </p:cNvPr>
+          <p:cNvPr id="8" name="제목 7"/>
           <p:cNvSpPr>
             <a:spLocks noGrp="1"/>
           </p:cNvSpPr>
@@ -10966,69 +10901,70 @@
           <a:lstStyle/>
           <a:p>
             <a:pPr algn="ctr">
-              <a:defRPr/>
+              <a:defRPr lang="ko-KR"/>
             </a:pPr>
             <a:r>
-              <a:rPr lang="ko-KR" altLang="en-US" b="1" dirty="0">
-                <a:solidFill>
-                  <a:srgbClr val="2AB9C7"/>
-                </a:solidFill>
-                <a:latin typeface="맑은 고딕" panose="020B0503020000020004" pitchFamily="50" charset="-127"/>
-                <a:ea typeface="맑은 고딕" panose="020B0503020000020004" pitchFamily="50" charset="-127"/>
+              <a:rPr lang="ko-KR" altLang="en-US" b="1">
+                <a:solidFill>
+                  <a:srgbClr val="2ab9c7"/>
+                </a:solidFill>
+                <a:latin typeface="맑은 고딕"/>
+                <a:ea typeface="맑은 고딕"/>
               </a:rPr>
               <a:t>프로젝트 </a:t>
             </a:r>
             <a:r>
-              <a:rPr lang="en-US" altLang="ko-KR" b="1" dirty="0">
-                <a:solidFill>
-                  <a:srgbClr val="2AB9C7"/>
-                </a:solidFill>
-                <a:latin typeface="맑은 고딕" panose="020B0503020000020004" pitchFamily="50" charset="-127"/>
-                <a:ea typeface="맑은 고딕" panose="020B0503020000020004" pitchFamily="50" charset="-127"/>
+              <a:rPr lang="en-US" altLang="ko-KR" b="1">
+                <a:solidFill>
+                  <a:srgbClr val="2ab9c7"/>
+                </a:solidFill>
+                <a:latin typeface="맑은 고딕"/>
+                <a:ea typeface="맑은 고딕"/>
               </a:rPr>
               <a:t>001</a:t>
             </a:r>
             <a:br>
-              <a:rPr lang="en-US" altLang="ko-KR" b="1" dirty="0">
-                <a:solidFill>
-                  <a:srgbClr val="2AB9C7"/>
-                </a:solidFill>
-                <a:latin typeface="맑은 고딕" panose="020B0503020000020004" pitchFamily="50" charset="-127"/>
-                <a:ea typeface="맑은 고딕" panose="020B0503020000020004" pitchFamily="50" charset="-127"/>
+              <a:rPr lang="en-US" altLang="ko-KR" b="1">
+                <a:solidFill>
+                  <a:srgbClr val="2ab9c7"/>
+                </a:solidFill>
+                <a:latin typeface="맑은 고딕"/>
+                <a:ea typeface="맑은 고딕"/>
               </a:rPr>
             </a:br>
             <a:r>
-              <a:rPr lang="en-US" altLang="ko-KR" b="1" dirty="0">
-                <a:solidFill>
-                  <a:srgbClr val="2AB9C7"/>
-                </a:solidFill>
-                <a:latin typeface="맑은 고딕" panose="020B0503020000020004" pitchFamily="50" charset="-127"/>
-                <a:ea typeface="맑은 고딕" panose="020B0503020000020004" pitchFamily="50" charset="-127"/>
+              <a:rPr lang="en-US" altLang="ko-KR" b="1">
+                <a:solidFill>
+                  <a:srgbClr val="2ab9c7"/>
+                </a:solidFill>
+                <a:latin typeface="맑은 고딕"/>
+                <a:ea typeface="맑은 고딕"/>
               </a:rPr>
               <a:t>000 </a:t>
             </a:r>
             <a:r>
-              <a:rPr lang="ko-KR" altLang="en-US" b="1" dirty="0">
-                <a:solidFill>
-                  <a:srgbClr val="2AB9C7"/>
-                </a:solidFill>
-                <a:latin typeface="맑은 고딕" panose="020B0503020000020004" pitchFamily="50" charset="-127"/>
-                <a:ea typeface="맑은 고딕" panose="020B0503020000020004" pitchFamily="50" charset="-127"/>
+              <a:rPr lang="ko-KR" altLang="en-US" b="1">
+                <a:solidFill>
+                  <a:srgbClr val="2ab9c7"/>
+                </a:solidFill>
+                <a:latin typeface="맑은 고딕"/>
+                <a:ea typeface="맑은 고딕"/>
               </a:rPr>
               <a:t>사이트 분석</a:t>
             </a:r>
+            <a:endParaRPr lang="ko-KR" altLang="en-US" b="1">
+              <a:solidFill>
+                <a:srgbClr val="2ab9c7"/>
+              </a:solidFill>
+              <a:latin typeface="맑은 고딕"/>
+              <a:ea typeface="맑은 고딕"/>
+            </a:endParaRPr>
           </a:p>
         </p:txBody>
       </p:sp>
       <p:sp>
         <p:nvSpPr>
-          <p:cNvPr id="9" name="부제목 8">
-            <a:extLst>
-              <a:ext uri="{FF2B5EF4-FFF2-40B4-BE49-F238E27FC236}">
-                <a16:creationId xmlns:a16="http://schemas.microsoft.com/office/drawing/2014/main" id="{826E8117-68C5-48E7-8065-0F8F53C07A80}"/>
-              </a:ext>
-            </a:extLst>
-          </p:cNvPr>
+          <p:cNvPr id="9" name="부제목 8"/>
           <p:cNvSpPr>
             <a:spLocks noGrp="1"/>
           </p:cNvSpPr>
@@ -11051,141 +10987,158 @@
           <a:p>
             <a:pPr marL="0" indent="0" algn="r">
               <a:buNone/>
-              <a:defRPr/>
+              <a:defRPr lang="ko-KR"/>
             </a:pPr>
             <a:r>
-              <a:rPr lang="ko-KR" altLang="en-US" sz="1800" b="1" dirty="0">
+              <a:rPr lang="ko-KR" altLang="en-US" sz="1800" b="1">
                 <a:solidFill>
                   <a:prstClr val="white">
                     <a:lumMod val="50000"/>
                   </a:prstClr>
                 </a:solidFill>
-                <a:latin typeface="맑은 고딕" panose="020B0503020000020004" pitchFamily="50" charset="-127"/>
-                <a:ea typeface="맑은 고딕" panose="020B0503020000020004" pitchFamily="50" charset="-127"/>
+                <a:latin typeface="맑은 고딕"/>
+                <a:ea typeface="맑은 고딕"/>
               </a:rPr>
               <a:t>능력단위</a:t>
             </a:r>
             <a:r>
-              <a:rPr lang="en-US" altLang="ko-KR" sz="1800" b="1" dirty="0">
+              <a:rPr lang="en-US" altLang="ko-KR" sz="1800" b="1">
                 <a:solidFill>
                   <a:prstClr val="white">
                     <a:lumMod val="50000"/>
                   </a:prstClr>
                 </a:solidFill>
-                <a:latin typeface="맑은 고딕" panose="020B0503020000020004" pitchFamily="50" charset="-127"/>
-                <a:ea typeface="맑은 고딕" panose="020B0503020000020004" pitchFamily="50" charset="-127"/>
+                <a:latin typeface="맑은 고딕"/>
+                <a:ea typeface="맑은 고딕"/>
               </a:rPr>
               <a:t>: </a:t>
             </a:r>
             <a:r>
-              <a:rPr lang="en-US" altLang="ko-KR" sz="1800" dirty="0">
+              <a:rPr lang="en-US" altLang="ko-KR" sz="1800">
                 <a:solidFill>
                   <a:prstClr val="white">
                     <a:lumMod val="50000"/>
                   </a:prstClr>
                 </a:solidFill>
-                <a:latin typeface="맑은 고딕" panose="020B0503020000020004" pitchFamily="50" charset="-127"/>
-                <a:ea typeface="맑은 고딕" panose="020B0503020000020004" pitchFamily="50" charset="-127"/>
+                <a:latin typeface="맑은 고딕"/>
+                <a:ea typeface="맑은 고딕"/>
               </a:rPr>
               <a:t>UIUX</a:t>
             </a:r>
             <a:r>
-              <a:rPr lang="ko-KR" altLang="en-US" sz="1800" dirty="0">
+              <a:rPr lang="ko-KR" altLang="en-US" sz="1800">
                 <a:solidFill>
                   <a:prstClr val="white">
                     <a:lumMod val="50000"/>
                   </a:prstClr>
                 </a:solidFill>
-                <a:latin typeface="맑은 고딕" panose="020B0503020000020004" pitchFamily="50" charset="-127"/>
-                <a:ea typeface="맑은 고딕" panose="020B0503020000020004" pitchFamily="50" charset="-127"/>
+                <a:latin typeface="맑은 고딕"/>
+                <a:ea typeface="맑은 고딕"/>
               </a:rPr>
               <a:t>요구분석</a:t>
             </a:r>
-            <a:endParaRPr lang="en-US" altLang="ko-KR" sz="1800" dirty="0">
+            <a:endParaRPr lang="ko-KR" altLang="en-US" sz="1800">
               <a:solidFill>
                 <a:prstClr val="white">
                   <a:lumMod val="50000"/>
                 </a:prstClr>
               </a:solidFill>
-              <a:latin typeface="맑은 고딕" panose="020B0503020000020004" pitchFamily="50" charset="-127"/>
-              <a:ea typeface="맑은 고딕" panose="020B0503020000020004" pitchFamily="50" charset="-127"/>
+              <a:latin typeface="맑은 고딕"/>
+              <a:ea typeface="맑은 고딕"/>
             </a:endParaRPr>
           </a:p>
           <a:p>
             <a:pPr marL="0" indent="0" algn="r">
+              <a:spcBef>
+                <a:spcPct val="46000"/>
+              </a:spcBef>
               <a:buNone/>
-              <a:defRPr/>
+              <a:defRPr lang="ko-KR"/>
             </a:pPr>
             <a:r>
-              <a:rPr lang="ko-KR" altLang="en-US" sz="1800" b="1" dirty="0">
+              <a:rPr lang="ko-KR" altLang="en-US" sz="1800" b="1">
                 <a:solidFill>
                   <a:prstClr val="white">
                     <a:lumMod val="50000"/>
                   </a:prstClr>
                 </a:solidFill>
-                <a:latin typeface="맑은 고딕" panose="020B0503020000020004" pitchFamily="50" charset="-127"/>
-                <a:ea typeface="맑은 고딕" panose="020B0503020000020004" pitchFamily="50" charset="-127"/>
+                <a:latin typeface="맑은 고딕"/>
+                <a:ea typeface="맑은 고딕"/>
               </a:rPr>
               <a:t>제출</a:t>
             </a:r>
             <a:r>
-              <a:rPr lang="en-US" altLang="ko-KR" sz="1800" dirty="0">
+              <a:rPr lang="en-US" altLang="ko-KR" sz="1800">
                 <a:solidFill>
                   <a:prstClr val="white">
                     <a:lumMod val="50000"/>
                   </a:prstClr>
                 </a:solidFill>
-                <a:latin typeface="맑은 고딕" panose="020B0503020000020004" pitchFamily="50" charset="-127"/>
-                <a:ea typeface="맑은 고딕" panose="020B0503020000020004" pitchFamily="50" charset="-127"/>
+                <a:latin typeface="맑은 고딕"/>
+                <a:ea typeface="맑은 고딕"/>
               </a:rPr>
               <a:t>: </a:t>
             </a:r>
             <a:r>
-              <a:rPr lang="ko-KR" altLang="en-US" sz="1800" dirty="0">
+              <a:rPr lang="ko-KR" altLang="en-US" sz="1800">
                 <a:solidFill>
                   <a:prstClr val="white">
                     <a:lumMod val="50000"/>
                   </a:prstClr>
                 </a:solidFill>
-                <a:latin typeface="맑은 고딕" panose="020B0503020000020004" pitchFamily="50" charset="-127"/>
-                <a:ea typeface="맑은 고딕" panose="020B0503020000020004" pitchFamily="50" charset="-127"/>
+                <a:latin typeface="맑은 고딕"/>
+                <a:ea typeface="맑은 고딕"/>
               </a:rPr>
-              <a:t>이름</a:t>
-            </a:r>
-            <a:r>
-              <a:rPr lang="en-US" altLang="ko-KR" sz="1800" dirty="0">
-                <a:solidFill>
-                  <a:prstClr val="white">
-                    <a:lumMod val="50000"/>
-                  </a:prstClr>
-                </a:solidFill>
-                <a:latin typeface="맑은 고딕" panose="020B0503020000020004" pitchFamily="50" charset="-127"/>
-                <a:ea typeface="맑은 고딕" panose="020B0503020000020004" pitchFamily="50" charset="-127"/>
-              </a:rPr>
-              <a:t> </a:t>
-            </a:r>
-            <a:endParaRPr lang="ko-KR" altLang="en-US" sz="1800" dirty="0">
+              <a:t>조  규완</a:t>
+            </a:r>
+            <a:endParaRPr lang="en-US" altLang="ko-KR" sz="1800">
               <a:solidFill>
                 <a:prstClr val="white">
                   <a:lumMod val="50000"/>
                 </a:prstClr>
               </a:solidFill>
-              <a:latin typeface="맑은 고딕" panose="020B0503020000020004" pitchFamily="50" charset="-127"/>
-              <a:ea typeface="맑은 고딕" panose="020B0503020000020004" pitchFamily="50" charset="-127"/>
+              <a:latin typeface="맑은 고딕"/>
+              <a:ea typeface="맑은 고딕"/>
+            </a:endParaRPr>
+          </a:p>
+          <a:p>
+            <a:pPr marL="0" indent="0" algn="r">
+              <a:spcBef>
+                <a:spcPct val="46000"/>
+              </a:spcBef>
+              <a:buNone/>
+              <a:defRPr lang="ko-KR"/>
+            </a:pPr>
+            <a:r>
+              <a:rPr lang="en-US" altLang="ko-KR" sz="1800">
+                <a:solidFill>
+                  <a:prstClr val="white">
+                    <a:lumMod val="50000"/>
+                  </a:prstClr>
+                </a:solidFill>
+                <a:latin typeface="맑은 고딕"/>
+                <a:ea typeface="맑은 고딕"/>
+              </a:rPr>
+              <a:t> </a:t>
+            </a:r>
+            <a:endParaRPr lang="en-US" altLang="ko-KR" sz="1800">
+              <a:solidFill>
+                <a:prstClr val="white">
+                  <a:lumMod val="50000"/>
+                </a:prstClr>
+              </a:solidFill>
+              <a:latin typeface="맑은 고딕"/>
+              <a:ea typeface="맑은 고딕"/>
             </a:endParaRPr>
           </a:p>
         </p:txBody>
       </p:sp>
     </p:spTree>
-    <p:extLst>
-      <p:ext uri="{BB962C8B-B14F-4D97-AF65-F5344CB8AC3E}">
-        <p14:creationId xmlns:p14="http://schemas.microsoft.com/office/powerpoint/2010/main" val="1291764493"/>
-      </p:ext>
-    </p:extLst>
   </p:cSld>
   <p:clrMapOvr>
     <a:masterClrMapping/>
   </p:clrMapOvr>
+  <p:transition xmlns:mc="http://schemas.openxmlformats.org/markup-compatibility/2006" xmlns:hp="http://schemas.haansoft.com/office/presentation/8.0" mc:Ignorable="hp" hp:hslDur="500"/>
 </p:sld>
 </file>
 
@@ -25112,49 +25065,49 @@
 </file>
 
 <file path=ppt/theme/theme1.xml><?xml version="1.0" encoding="utf-8"?>
-<a:theme xmlns:a="http://schemas.openxmlformats.org/drawingml/2006/main" name="디자인 사용자 지정">
+<a:theme xmlns:r="http://schemas.openxmlformats.org/officeDocument/2006/relationships" xmlns:c="http://schemas.openxmlformats.org/drawingml/2006/chart" xmlns:dgm="http://schemas.openxmlformats.org/drawingml/2006/diagram" xmlns:dsp="http://schemas.microsoft.com/office/drawing/2008/diagram" xmlns:a="http://schemas.openxmlformats.org/drawingml/2006/main" xmlns:pic="http://schemas.openxmlformats.org/drawingml/2006/picture" xmlns:wp="http://schemas.openxmlformats.org/drawingml/2006/wordprocessingDrawing" xmlns:xdr="http://schemas.openxmlformats.org/drawingml/2006/spreadsheetDrawing" name="디자인 사용자 지정">
   <a:themeElements>
     <a:clrScheme name="Office">
       <a:dk1>
         <a:sysClr val="windowText" lastClr="000000"/>
       </a:dk1>
       <a:lt1>
-        <a:sysClr val="window" lastClr="FFFFFF"/>
+        <a:sysClr val="window" lastClr="ffffff"/>
       </a:lt1>
       <a:dk2>
-        <a:srgbClr val="44546A"/>
+        <a:srgbClr val="44546a"/>
       </a:dk2>
       <a:lt2>
-        <a:srgbClr val="E7E6E6"/>
+        <a:srgbClr val="e7e6e6"/>
       </a:lt2>
       <a:accent1>
-        <a:srgbClr val="4472C4"/>
+        <a:srgbClr val="4472c4"/>
       </a:accent1>
       <a:accent2>
-        <a:srgbClr val="ED7D31"/>
+        <a:srgbClr val="ed7d31"/>
       </a:accent2>
       <a:accent3>
-        <a:srgbClr val="A5A5A5"/>
+        <a:srgbClr val="a5a5a5"/>
       </a:accent3>
       <a:accent4>
-        <a:srgbClr val="FFC000"/>
+        <a:srgbClr val="ffc000"/>
       </a:accent4>
       <a:accent5>
-        <a:srgbClr val="5B9BD5"/>
+        <a:srgbClr val="5b9bd5"/>
       </a:accent5>
       <a:accent6>
-        <a:srgbClr val="70AD47"/>
+        <a:srgbClr val="70ad47"/>
       </a:accent6>
       <a:hlink>
-        <a:srgbClr val="0563C1"/>
+        <a:srgbClr val="0563c1"/>
       </a:hlink>
       <a:folHlink>
-        <a:srgbClr val="954F72"/>
+        <a:srgbClr val="954f72"/>
       </a:folHlink>
     </a:clrScheme>
     <a:fontScheme name="Office">
       <a:majorFont>
-        <a:latin typeface="맑은 고딕" panose="20000000000000000000"/>
+        <a:latin typeface="맑은 고딕" panose="2147483647"/>
         <a:ea typeface=""/>
         <a:cs typeface=""/>
         <a:font script="Jpan" typeface="游ゴシック Light"/>
@@ -25206,7 +25159,7 @@
         <a:font script="Tfng" typeface="Ebrima"/>
       </a:majorFont>
       <a:minorFont>
-        <a:latin typeface="맑은 고딕" panose="20000000000000000000"/>
+        <a:latin typeface="맑은 고딕" panose="2147483647"/>
         <a:ea typeface=""/>
         <a:cs typeface=""/>
         <a:font script="Jpan" typeface="游ゴシック"/>
@@ -25396,7 +25349,5 @@
       </a:bgFillStyleLst>
     </a:fmtScheme>
   </a:themeElements>
-  <a:objectDefaults/>
-  <a:extraClrSchemeLst/>
 </a:theme>
 </file>
--- a/Navien House.pptx
+++ b/Navien House.pptx
@@ -8851,29 +8851,6 @@
           <a:chExt cx="0" cy="0"/>
         </a:xfrm>
       </p:grpSpPr>
-      <p:pic>
-        <p:nvPicPr>
-          <p:cNvPr id="17" name=""/>
-          <p:cNvPicPr/>
-          <p:nvPr/>
-        </p:nvPicPr>
-        <p:blipFill rotWithShape="1">
-          <a:blip r:embed="rId2"/>
-          <a:srcRect l="39730" t="580" r="36090" b="-580"/>
-          <a:stretch>
-            <a:fillRect/>
-          </a:stretch>
-        </p:blipFill>
-        <p:spPr>
-          <a:xfrm>
-            <a:off x="3878036" y="2004582"/>
-            <a:ext cx="3315552" cy="4177595"/>
-          </a:xfrm>
-          <a:prstGeom prst="rect">
-            <a:avLst/>
-          </a:prstGeom>
-        </p:spPr>
-      </p:pic>
       <p:sp>
         <p:nvSpPr>
           <p:cNvPr id="2" name="제목 1"/>
@@ -9411,30 +9388,6 @@
           <a:chExt cx="0" cy="0"/>
         </a:xfrm>
       </p:grpSpPr>
-      <p:pic>
-        <p:nvPicPr>
-          <p:cNvPr id="8" name=""/>
-          <p:cNvPicPr>
-            <a:picLocks noChangeAspect="1"/>
-          </p:cNvPicPr>
-          <p:nvPr/>
-        </p:nvPicPr>
-        <p:blipFill rotWithShape="1">
-          <a:blip r:embed="rId2"/>
-          <a:stretch>
-            <a:fillRect/>
-          </a:stretch>
-        </p:blipFill>
-        <p:spPr>
-          <a:xfrm>
-            <a:off x="1031875" y="2015549"/>
-            <a:ext cx="10084232" cy="4096902"/>
-          </a:xfrm>
-          <a:prstGeom prst="rect">
-            <a:avLst/>
-          </a:prstGeom>
-        </p:spPr>
-      </p:pic>
     </p:spTree>
   </p:cSld>
   <p:clrMapOvr>
